--- a/161702/presentation/02 - Review Divide and Conquer/02. Review Divide and Conquer.pptx
+++ b/161702/presentation/02 - Review Divide and Conquer/02. Review Divide and Conquer.pptx
@@ -22,7 +22,7 @@
       <p:boldItalic r:id="rId8"/>
     </p:embeddedFont>
     <p:embeddedFont>
-      <p:font typeface="Source Sans Pro" panose="020B0503030403020204" pitchFamily="34" charset="0"/>
+      <p:font typeface="Source Sans Pro" panose="020B0503030403020204" charset="0"/>
       <p:regular r:id="rId9"/>
       <p:bold r:id="rId10"/>
       <p:italic r:id="rId11"/>
@@ -3544,10 +3544,29 @@
           <a:p>
             <a:r>
               <a:rPr lang="en-US" dirty="0" smtClean="0"/>
-              <a:t>Example Case: Cut Rod/Rod Cutting</a:t>
-            </a:r>
-          </a:p>
-          <a:p>
+              <a:t>Example Case: Cut Rod/Rod </a:t>
+            </a:r>
+            <a:r>
+              <a:rPr lang="en-US" dirty="0" smtClean="0"/>
+              <a:t>Cutting</a:t>
+            </a:r>
+          </a:p>
+          <a:p>
+            <a:pPr lvl="1"/>
+            <a:r>
+              <a:rPr lang="en-US" dirty="0" smtClean="0"/>
+              <a:t>Problem Observation</a:t>
+            </a:r>
+          </a:p>
+          <a:p>
+            <a:pPr lvl="1"/>
+            <a:r>
+              <a:rPr lang="en-US" dirty="0" smtClean="0"/>
+              <a:t>Problem Simplification</a:t>
+            </a:r>
+          </a:p>
+          <a:p>
+            <a:pPr lvl="1"/>
             <a:endParaRPr lang="en-US" dirty="0" smtClean="0"/>
           </a:p>
         </p:txBody>
@@ -3562,6 +3581,13 @@
   <p:clrMapOvr>
     <a:masterClrMapping/>
   </p:clrMapOvr>
+  <p:timing>
+    <p:tnLst>
+      <p:par>
+        <p:cTn id="1" dur="indefinite" restart="never" nodeType="tmRoot"/>
+      </p:par>
+    </p:tnLst>
+  </p:timing>
 </p:sld>
 </file>
 

--- a/161702/presentation/02 - Review Divide and Conquer/02. Review Divide and Conquer.pptx
+++ b/161702/presentation/02 - Review Divide and Conquer/02. Review Divide and Conquer.pptx
@@ -2,31 +2,48 @@
 <file path=ppt/presentation.xml><?xml version="1.0" encoding="utf-8"?>
 <p:presentation xmlns:a="http://schemas.openxmlformats.org/drawingml/2006/main" xmlns:r="http://schemas.openxmlformats.org/officeDocument/2006/relationships" xmlns:p="http://schemas.openxmlformats.org/presentationml/2006/main" embedTrueTypeFonts="1">
   <p:sldMasterIdLst>
-    <p:sldMasterId id="2147483732" r:id="rId1"/>
+    <p:sldMasterId id="2147483744" r:id="rId1"/>
   </p:sldMasterIdLst>
   <p:notesMasterIdLst>
-    <p:notesMasterId r:id="rId4"/>
+    <p:notesMasterId r:id="rId14"/>
   </p:notesMasterIdLst>
   <p:sldIdLst>
     <p:sldId id="256" r:id="rId2"/>
     <p:sldId id="257" r:id="rId3"/>
+    <p:sldId id="259" r:id="rId4"/>
+    <p:sldId id="260" r:id="rId5"/>
+    <p:sldId id="267" r:id="rId6"/>
+    <p:sldId id="261" r:id="rId7"/>
+    <p:sldId id="262" r:id="rId8"/>
+    <p:sldId id="263" r:id="rId9"/>
+    <p:sldId id="264" r:id="rId10"/>
+    <p:sldId id="265" r:id="rId11"/>
+    <p:sldId id="266" r:id="rId12"/>
+    <p:sldId id="258" r:id="rId13"/>
   </p:sldIdLst>
   <p:sldSz cx="9144000" cy="6858000" type="screen4x3"/>
   <p:notesSz cx="6858000" cy="9144000"/>
   <p:embeddedFontLst>
     <p:embeddedFont>
       <p:font typeface="Calibri" panose="020F0502020204030204" pitchFamily="34" charset="0"/>
-      <p:regular r:id="rId5"/>
-      <p:bold r:id="rId6"/>
-      <p:italic r:id="rId7"/>
-      <p:boldItalic r:id="rId8"/>
+      <p:regular r:id="rId15"/>
+      <p:bold r:id="rId16"/>
+      <p:italic r:id="rId17"/>
+      <p:boldItalic r:id="rId18"/>
     </p:embeddedFont>
     <p:embeddedFont>
-      <p:font typeface="Source Sans Pro" panose="020B0503030403020204" charset="0"/>
-      <p:regular r:id="rId9"/>
-      <p:bold r:id="rId10"/>
-      <p:italic r:id="rId11"/>
-      <p:boldItalic r:id="rId12"/>
+      <p:font typeface="PT Serif" panose="020A0603040505020204" pitchFamily="18" charset="0"/>
+      <p:regular r:id="rId19"/>
+      <p:bold r:id="rId20"/>
+      <p:italic r:id="rId21"/>
+      <p:boldItalic r:id="rId22"/>
+    </p:embeddedFont>
+    <p:embeddedFont>
+      <p:font typeface="PT Sans" panose="020B0503020203020204" pitchFamily="34" charset="0"/>
+      <p:regular r:id="rId23"/>
+      <p:bold r:id="rId24"/>
+      <p:italic r:id="rId25"/>
+      <p:boldItalic r:id="rId26"/>
     </p:embeddedFont>
   </p:embeddedFontLst>
   <p:defaultTextStyle>
@@ -511,17 +528,15 @@
         </p:nvSpPr>
         <p:spPr>
           <a:xfrm>
-            <a:off x="1143000" y="1122363"/>
-            <a:ext cx="6858000" cy="2387600"/>
+            <a:off x="685800" y="1122363"/>
+            <a:ext cx="7772400" cy="2387600"/>
           </a:xfrm>
         </p:spPr>
         <p:txBody>
           <a:bodyPr anchor="b"/>
           <a:lstStyle>
             <a:lvl1pPr algn="ctr">
-              <a:defRPr sz="4500">
-                <a:latin typeface="Source Sans Pro" panose="020B0503030403020204" pitchFamily="34" charset="0"/>
-              </a:defRPr>
+              <a:defRPr sz="6000"/>
             </a:lvl1pPr>
           </a:lstStyle>
           <a:p>
@@ -554,41 +569,39 @@
           <a:lstStyle>
             <a:lvl1pPr marL="0" indent="0" algn="ctr">
               <a:buNone/>
-              <a:defRPr sz="1800">
-                <a:latin typeface="Source Sans Pro" panose="020B0503030403020204" pitchFamily="34" charset="0"/>
-              </a:defRPr>
+              <a:defRPr sz="2400"/>
             </a:lvl1pPr>
-            <a:lvl2pPr marL="342900" indent="0" algn="ctr">
-              <a:buNone/>
-              <a:defRPr sz="1500"/>
+            <a:lvl2pPr marL="457200" indent="0" algn="ctr">
+              <a:buNone/>
+              <a:defRPr sz="2000"/>
             </a:lvl2pPr>
-            <a:lvl3pPr marL="685800" indent="0" algn="ctr">
-              <a:buNone/>
-              <a:defRPr sz="1350"/>
+            <a:lvl3pPr marL="914400" indent="0" algn="ctr">
+              <a:buNone/>
+              <a:defRPr sz="1800"/>
             </a:lvl3pPr>
-            <a:lvl4pPr marL="1028700" indent="0" algn="ctr">
-              <a:buNone/>
-              <a:defRPr sz="1200"/>
+            <a:lvl4pPr marL="1371600" indent="0" algn="ctr">
+              <a:buNone/>
+              <a:defRPr sz="1600"/>
             </a:lvl4pPr>
-            <a:lvl5pPr marL="1371600" indent="0" algn="ctr">
-              <a:buNone/>
-              <a:defRPr sz="1200"/>
+            <a:lvl5pPr marL="1828800" indent="0" algn="ctr">
+              <a:buNone/>
+              <a:defRPr sz="1600"/>
             </a:lvl5pPr>
-            <a:lvl6pPr marL="1714500" indent="0" algn="ctr">
-              <a:buNone/>
-              <a:defRPr sz="1200"/>
+            <a:lvl6pPr marL="2286000" indent="0" algn="ctr">
+              <a:buNone/>
+              <a:defRPr sz="1600"/>
             </a:lvl6pPr>
-            <a:lvl7pPr marL="2057400" indent="0" algn="ctr">
-              <a:buNone/>
-              <a:defRPr sz="1200"/>
+            <a:lvl7pPr marL="2743200" indent="0" algn="ctr">
+              <a:buNone/>
+              <a:defRPr sz="1600"/>
             </a:lvl7pPr>
-            <a:lvl8pPr marL="2400300" indent="0" algn="ctr">
-              <a:buNone/>
-              <a:defRPr sz="1200"/>
+            <a:lvl8pPr marL="3200400" indent="0" algn="ctr">
+              <a:buNone/>
+              <a:defRPr sz="1600"/>
             </a:lvl8pPr>
-            <a:lvl9pPr marL="2743200" indent="0" algn="ctr">
-              <a:buNone/>
-              <a:defRPr sz="1200"/>
+            <a:lvl9pPr marL="3657600" indent="0" algn="ctr">
+              <a:buNone/>
+              <a:defRPr sz="1600"/>
             </a:lvl9pPr>
           </a:lstStyle>
           <a:p>
@@ -668,7 +681,7 @@
     </p:spTree>
     <p:extLst>
       <p:ext uri="{BB962C8B-B14F-4D97-AF65-F5344CB8AC3E}">
-        <p14:creationId xmlns:p14="http://schemas.microsoft.com/office/powerpoint/2010/main" val="2249348879"/>
+        <p14:creationId xmlns:p14="http://schemas.microsoft.com/office/powerpoint/2010/main" val="1730377897"/>
       </p:ext>
     </p:extLst>
   </p:cSld>
@@ -714,7 +727,7 @@
               <a:rPr lang="en-US" smtClean="0"/>
               <a:t>Click to edit Master title style</a:t>
             </a:r>
-            <a:endParaRPr lang="en-US"/>
+            <a:endParaRPr lang="en-US" dirty="0"/>
           </a:p>
         </p:txBody>
       </p:sp>
@@ -766,7 +779,7 @@
               <a:rPr lang="en-US" smtClean="0"/>
               <a:t>Fifth level</a:t>
             </a:r>
-            <a:endParaRPr lang="en-US"/>
+            <a:endParaRPr lang="en-US" dirty="0"/>
           </a:p>
         </p:txBody>
       </p:sp>
@@ -838,7 +851,7 @@
     </p:spTree>
     <p:extLst>
       <p:ext uri="{BB962C8B-B14F-4D97-AF65-F5344CB8AC3E}">
-        <p14:creationId xmlns:p14="http://schemas.microsoft.com/office/powerpoint/2010/main" val="444315359"/>
+        <p14:creationId xmlns:p14="http://schemas.microsoft.com/office/powerpoint/2010/main" val="1181304695"/>
       </p:ext>
     </p:extLst>
   </p:cSld>
@@ -889,7 +902,7 @@
               <a:rPr lang="en-US" smtClean="0"/>
               <a:t>Click to edit Master title style</a:t>
             </a:r>
-            <a:endParaRPr lang="en-US"/>
+            <a:endParaRPr lang="en-US" dirty="0"/>
           </a:p>
         </p:txBody>
       </p:sp>
@@ -946,7 +959,7 @@
               <a:rPr lang="en-US" smtClean="0"/>
               <a:t>Fifth level</a:t>
             </a:r>
-            <a:endParaRPr lang="en-US"/>
+            <a:endParaRPr lang="en-US" dirty="0"/>
           </a:p>
         </p:txBody>
       </p:sp>
@@ -1018,7 +1031,7 @@
     </p:spTree>
     <p:extLst>
       <p:ext uri="{BB962C8B-B14F-4D97-AF65-F5344CB8AC3E}">
-        <p14:creationId xmlns:p14="http://schemas.microsoft.com/office/powerpoint/2010/main" val="66957321"/>
+        <p14:creationId xmlns:p14="http://schemas.microsoft.com/office/powerpoint/2010/main" val="3607729208"/>
       </p:ext>
     </p:extLst>
   </p:cSld>
@@ -1064,7 +1077,7 @@
               <a:rPr lang="en-US" smtClean="0"/>
               <a:t>Click to edit Master title style</a:t>
             </a:r>
-            <a:endParaRPr lang="en-US"/>
+            <a:endParaRPr lang="en-US" dirty="0"/>
           </a:p>
         </p:txBody>
       </p:sp>
@@ -1081,53 +1094,7 @@
         <p:spPr/>
         <p:txBody>
           <a:bodyPr/>
-          <a:lstStyle>
-            <a:lvl1pPr>
-              <a:lnSpc>
-                <a:spcPct val="100000"/>
-              </a:lnSpc>
-              <a:spcAft>
-                <a:spcPts val="450"/>
-              </a:spcAft>
-              <a:defRPr/>
-            </a:lvl1pPr>
-            <a:lvl2pPr>
-              <a:lnSpc>
-                <a:spcPct val="100000"/>
-              </a:lnSpc>
-              <a:spcAft>
-                <a:spcPts val="450"/>
-              </a:spcAft>
-              <a:defRPr/>
-            </a:lvl2pPr>
-            <a:lvl3pPr>
-              <a:lnSpc>
-                <a:spcPct val="100000"/>
-              </a:lnSpc>
-              <a:spcAft>
-                <a:spcPts val="450"/>
-              </a:spcAft>
-              <a:defRPr/>
-            </a:lvl3pPr>
-            <a:lvl4pPr>
-              <a:lnSpc>
-                <a:spcPct val="100000"/>
-              </a:lnSpc>
-              <a:spcAft>
-                <a:spcPts val="450"/>
-              </a:spcAft>
-              <a:defRPr/>
-            </a:lvl4pPr>
-            <a:lvl5pPr>
-              <a:lnSpc>
-                <a:spcPct val="100000"/>
-              </a:lnSpc>
-              <a:spcAft>
-                <a:spcPts val="450"/>
-              </a:spcAft>
-              <a:defRPr/>
-            </a:lvl5pPr>
-          </a:lstStyle>
+          <a:lstStyle/>
           <a:p>
             <a:pPr lvl="0"/>
             <a:r>
@@ -1234,7 +1201,7 @@
     </p:spTree>
     <p:extLst>
       <p:ext uri="{BB962C8B-B14F-4D97-AF65-F5344CB8AC3E}">
-        <p14:creationId xmlns:p14="http://schemas.microsoft.com/office/powerpoint/2010/main" val="3951480259"/>
+        <p14:creationId xmlns:p14="http://schemas.microsoft.com/office/powerpoint/2010/main" val="2615815474"/>
       </p:ext>
     </p:extLst>
   </p:cSld>
@@ -1281,7 +1248,7 @@
           <a:bodyPr anchor="b"/>
           <a:lstStyle>
             <a:lvl1pPr>
-              <a:defRPr sz="4500"/>
+              <a:defRPr sz="6000"/>
             </a:lvl1pPr>
           </a:lstStyle>
           <a:p>
@@ -1289,7 +1256,7 @@
               <a:rPr lang="en-US" smtClean="0"/>
               <a:t>Click to edit Master title style</a:t>
             </a:r>
-            <a:endParaRPr lang="en-US"/>
+            <a:endParaRPr lang="en-US" dirty="0"/>
           </a:p>
         </p:txBody>
       </p:sp>
@@ -1313,6 +1280,24 @@
           <a:bodyPr/>
           <a:lstStyle>
             <a:lvl1pPr marL="0" indent="0">
+              <a:buNone/>
+              <a:defRPr sz="2400">
+                <a:solidFill>
+                  <a:schemeClr val="tx1"/>
+                </a:solidFill>
+              </a:defRPr>
+            </a:lvl1pPr>
+            <a:lvl2pPr marL="457200" indent="0">
+              <a:buNone/>
+              <a:defRPr sz="2000">
+                <a:solidFill>
+                  <a:schemeClr val="tx1">
+                    <a:tint val="75000"/>
+                  </a:schemeClr>
+                </a:solidFill>
+              </a:defRPr>
+            </a:lvl2pPr>
+            <a:lvl3pPr marL="914400" indent="0">
               <a:buNone/>
               <a:defRPr sz="1800">
                 <a:solidFill>
@@ -1321,30 +1306,10 @@
                   </a:schemeClr>
                 </a:solidFill>
               </a:defRPr>
-            </a:lvl1pPr>
-            <a:lvl2pPr marL="342900" indent="0">
-              <a:buNone/>
-              <a:defRPr sz="1500">
-                <a:solidFill>
-                  <a:schemeClr val="tx1">
-                    <a:tint val="75000"/>
-                  </a:schemeClr>
-                </a:solidFill>
-              </a:defRPr>
-            </a:lvl2pPr>
-            <a:lvl3pPr marL="685800" indent="0">
-              <a:buNone/>
-              <a:defRPr sz="1350">
-                <a:solidFill>
-                  <a:schemeClr val="tx1">
-                    <a:tint val="75000"/>
-                  </a:schemeClr>
-                </a:solidFill>
-              </a:defRPr>
             </a:lvl3pPr>
-            <a:lvl4pPr marL="1028700" indent="0">
-              <a:buNone/>
-              <a:defRPr sz="1200">
+            <a:lvl4pPr marL="1371600" indent="0">
+              <a:buNone/>
+              <a:defRPr sz="1600">
                 <a:solidFill>
                   <a:schemeClr val="tx1">
                     <a:tint val="75000"/>
@@ -1352,9 +1317,9 @@
                 </a:solidFill>
               </a:defRPr>
             </a:lvl4pPr>
-            <a:lvl5pPr marL="1371600" indent="0">
-              <a:buNone/>
-              <a:defRPr sz="1200">
+            <a:lvl5pPr marL="1828800" indent="0">
+              <a:buNone/>
+              <a:defRPr sz="1600">
                 <a:solidFill>
                   <a:schemeClr val="tx1">
                     <a:tint val="75000"/>
@@ -1362,9 +1327,9 @@
                 </a:solidFill>
               </a:defRPr>
             </a:lvl5pPr>
-            <a:lvl6pPr marL="1714500" indent="0">
-              <a:buNone/>
-              <a:defRPr sz="1200">
+            <a:lvl6pPr marL="2286000" indent="0">
+              <a:buNone/>
+              <a:defRPr sz="1600">
                 <a:solidFill>
                   <a:schemeClr val="tx1">
                     <a:tint val="75000"/>
@@ -1372,9 +1337,9 @@
                 </a:solidFill>
               </a:defRPr>
             </a:lvl6pPr>
-            <a:lvl7pPr marL="2057400" indent="0">
-              <a:buNone/>
-              <a:defRPr sz="1200">
+            <a:lvl7pPr marL="2743200" indent="0">
+              <a:buNone/>
+              <a:defRPr sz="1600">
                 <a:solidFill>
                   <a:schemeClr val="tx1">
                     <a:tint val="75000"/>
@@ -1382,9 +1347,9 @@
                 </a:solidFill>
               </a:defRPr>
             </a:lvl7pPr>
-            <a:lvl8pPr marL="2400300" indent="0">
-              <a:buNone/>
-              <a:defRPr sz="1200">
+            <a:lvl8pPr marL="3200400" indent="0">
+              <a:buNone/>
+              <a:defRPr sz="1600">
                 <a:solidFill>
                   <a:schemeClr val="tx1">
                     <a:tint val="75000"/>
@@ -1392,9 +1357,9 @@
                 </a:solidFill>
               </a:defRPr>
             </a:lvl8pPr>
-            <a:lvl9pPr marL="2743200" indent="0">
-              <a:buNone/>
-              <a:defRPr sz="1200">
+            <a:lvl9pPr marL="3657600" indent="0">
+              <a:buNone/>
+              <a:defRPr sz="1600">
                 <a:solidFill>
                   <a:schemeClr val="tx1">
                     <a:tint val="75000"/>
@@ -1480,7 +1445,7 @@
     </p:spTree>
     <p:extLst>
       <p:ext uri="{BB962C8B-B14F-4D97-AF65-F5344CB8AC3E}">
-        <p14:creationId xmlns:p14="http://schemas.microsoft.com/office/powerpoint/2010/main" val="3421085938"/>
+        <p14:creationId xmlns:p14="http://schemas.microsoft.com/office/powerpoint/2010/main" val="2916919207"/>
       </p:ext>
     </p:extLst>
   </p:cSld>
@@ -1526,7 +1491,7 @@
               <a:rPr lang="en-US" smtClean="0"/>
               <a:t>Click to edit Master title style</a:t>
             </a:r>
-            <a:endParaRPr lang="en-US"/>
+            <a:endParaRPr lang="en-US" dirty="0"/>
           </a:p>
         </p:txBody>
       </p:sp>
@@ -1583,7 +1548,7 @@
               <a:rPr lang="en-US" smtClean="0"/>
               <a:t>Fifth level</a:t>
             </a:r>
-            <a:endParaRPr lang="en-US"/>
+            <a:endParaRPr lang="en-US" dirty="0"/>
           </a:p>
         </p:txBody>
       </p:sp>
@@ -1640,7 +1605,7 @@
               <a:rPr lang="en-US" smtClean="0"/>
               <a:t>Fifth level</a:t>
             </a:r>
-            <a:endParaRPr lang="en-US"/>
+            <a:endParaRPr lang="en-US" dirty="0"/>
           </a:p>
         </p:txBody>
       </p:sp>
@@ -1712,7 +1677,7 @@
     </p:spTree>
     <p:extLst>
       <p:ext uri="{BB962C8B-B14F-4D97-AF65-F5344CB8AC3E}">
-        <p14:creationId xmlns:p14="http://schemas.microsoft.com/office/powerpoint/2010/main" val="543915169"/>
+        <p14:creationId xmlns:p14="http://schemas.microsoft.com/office/powerpoint/2010/main" val="3062038116"/>
       </p:ext>
     </p:extLst>
   </p:cSld>
@@ -1763,7 +1728,7 @@
               <a:rPr lang="en-US" smtClean="0"/>
               <a:t>Click to edit Master title style</a:t>
             </a:r>
-            <a:endParaRPr lang="en-US"/>
+            <a:endParaRPr lang="en-US" dirty="0"/>
           </a:p>
         </p:txBody>
       </p:sp>
@@ -1788,39 +1753,39 @@
           <a:lstStyle>
             <a:lvl1pPr marL="0" indent="0">
               <a:buNone/>
+              <a:defRPr sz="2400" b="1"/>
+            </a:lvl1pPr>
+            <a:lvl2pPr marL="457200" indent="0">
+              <a:buNone/>
+              <a:defRPr sz="2000" b="1"/>
+            </a:lvl2pPr>
+            <a:lvl3pPr marL="914400" indent="0">
+              <a:buNone/>
               <a:defRPr sz="1800" b="1"/>
-            </a:lvl1pPr>
-            <a:lvl2pPr marL="342900" indent="0">
-              <a:buNone/>
-              <a:defRPr sz="1500" b="1"/>
-            </a:lvl2pPr>
-            <a:lvl3pPr marL="685800" indent="0">
-              <a:buNone/>
-              <a:defRPr sz="1350" b="1"/>
             </a:lvl3pPr>
-            <a:lvl4pPr marL="1028700" indent="0">
-              <a:buNone/>
-              <a:defRPr sz="1200" b="1"/>
+            <a:lvl4pPr marL="1371600" indent="0">
+              <a:buNone/>
+              <a:defRPr sz="1600" b="1"/>
             </a:lvl4pPr>
-            <a:lvl5pPr marL="1371600" indent="0">
-              <a:buNone/>
-              <a:defRPr sz="1200" b="1"/>
+            <a:lvl5pPr marL="1828800" indent="0">
+              <a:buNone/>
+              <a:defRPr sz="1600" b="1"/>
             </a:lvl5pPr>
-            <a:lvl6pPr marL="1714500" indent="0">
-              <a:buNone/>
-              <a:defRPr sz="1200" b="1"/>
+            <a:lvl6pPr marL="2286000" indent="0">
+              <a:buNone/>
+              <a:defRPr sz="1600" b="1"/>
             </a:lvl6pPr>
-            <a:lvl7pPr marL="2057400" indent="0">
-              <a:buNone/>
-              <a:defRPr sz="1200" b="1"/>
+            <a:lvl7pPr marL="2743200" indent="0">
+              <a:buNone/>
+              <a:defRPr sz="1600" b="1"/>
             </a:lvl7pPr>
-            <a:lvl8pPr marL="2400300" indent="0">
-              <a:buNone/>
-              <a:defRPr sz="1200" b="1"/>
+            <a:lvl8pPr marL="3200400" indent="0">
+              <a:buNone/>
+              <a:defRPr sz="1600" b="1"/>
             </a:lvl8pPr>
-            <a:lvl9pPr marL="2743200" indent="0">
-              <a:buNone/>
-              <a:defRPr sz="1200" b="1"/>
+            <a:lvl9pPr marL="3657600" indent="0">
+              <a:buNone/>
+              <a:defRPr sz="1600" b="1"/>
             </a:lvl9pPr>
           </a:lstStyle>
           <a:p>
@@ -1885,7 +1850,7 @@
               <a:rPr lang="en-US" smtClean="0"/>
               <a:t>Fifth level</a:t>
             </a:r>
-            <a:endParaRPr lang="en-US"/>
+            <a:endParaRPr lang="en-US" dirty="0"/>
           </a:p>
         </p:txBody>
       </p:sp>
@@ -1910,39 +1875,39 @@
           <a:lstStyle>
             <a:lvl1pPr marL="0" indent="0">
               <a:buNone/>
+              <a:defRPr sz="2400" b="1"/>
+            </a:lvl1pPr>
+            <a:lvl2pPr marL="457200" indent="0">
+              <a:buNone/>
+              <a:defRPr sz="2000" b="1"/>
+            </a:lvl2pPr>
+            <a:lvl3pPr marL="914400" indent="0">
+              <a:buNone/>
               <a:defRPr sz="1800" b="1"/>
-            </a:lvl1pPr>
-            <a:lvl2pPr marL="342900" indent="0">
-              <a:buNone/>
-              <a:defRPr sz="1500" b="1"/>
-            </a:lvl2pPr>
-            <a:lvl3pPr marL="685800" indent="0">
-              <a:buNone/>
-              <a:defRPr sz="1350" b="1"/>
             </a:lvl3pPr>
-            <a:lvl4pPr marL="1028700" indent="0">
-              <a:buNone/>
-              <a:defRPr sz="1200" b="1"/>
+            <a:lvl4pPr marL="1371600" indent="0">
+              <a:buNone/>
+              <a:defRPr sz="1600" b="1"/>
             </a:lvl4pPr>
-            <a:lvl5pPr marL="1371600" indent="0">
-              <a:buNone/>
-              <a:defRPr sz="1200" b="1"/>
+            <a:lvl5pPr marL="1828800" indent="0">
+              <a:buNone/>
+              <a:defRPr sz="1600" b="1"/>
             </a:lvl5pPr>
-            <a:lvl6pPr marL="1714500" indent="0">
-              <a:buNone/>
-              <a:defRPr sz="1200" b="1"/>
+            <a:lvl6pPr marL="2286000" indent="0">
+              <a:buNone/>
+              <a:defRPr sz="1600" b="1"/>
             </a:lvl6pPr>
-            <a:lvl7pPr marL="2057400" indent="0">
-              <a:buNone/>
-              <a:defRPr sz="1200" b="1"/>
+            <a:lvl7pPr marL="2743200" indent="0">
+              <a:buNone/>
+              <a:defRPr sz="1600" b="1"/>
             </a:lvl7pPr>
-            <a:lvl8pPr marL="2400300" indent="0">
-              <a:buNone/>
-              <a:defRPr sz="1200" b="1"/>
+            <a:lvl8pPr marL="3200400" indent="0">
+              <a:buNone/>
+              <a:defRPr sz="1600" b="1"/>
             </a:lvl8pPr>
-            <a:lvl9pPr marL="2743200" indent="0">
-              <a:buNone/>
-              <a:defRPr sz="1200" b="1"/>
+            <a:lvl9pPr marL="3657600" indent="0">
+              <a:buNone/>
+              <a:defRPr sz="1600" b="1"/>
             </a:lvl9pPr>
           </a:lstStyle>
           <a:p>
@@ -2007,7 +1972,7 @@
               <a:rPr lang="en-US" smtClean="0"/>
               <a:t>Fifth level</a:t>
             </a:r>
-            <a:endParaRPr lang="en-US"/>
+            <a:endParaRPr lang="en-US" dirty="0"/>
           </a:p>
         </p:txBody>
       </p:sp>
@@ -2079,7 +2044,7 @@
     </p:spTree>
     <p:extLst>
       <p:ext uri="{BB962C8B-B14F-4D97-AF65-F5344CB8AC3E}">
-        <p14:creationId xmlns:p14="http://schemas.microsoft.com/office/powerpoint/2010/main" val="2422644542"/>
+        <p14:creationId xmlns:p14="http://schemas.microsoft.com/office/powerpoint/2010/main" val="2859871063"/>
       </p:ext>
     </p:extLst>
   </p:cSld>
@@ -2197,7 +2162,7 @@
     </p:spTree>
     <p:extLst>
       <p:ext uri="{BB962C8B-B14F-4D97-AF65-F5344CB8AC3E}">
-        <p14:creationId xmlns:p14="http://schemas.microsoft.com/office/powerpoint/2010/main" val="2024333968"/>
+        <p14:creationId xmlns:p14="http://schemas.microsoft.com/office/powerpoint/2010/main" val="1516219131"/>
       </p:ext>
     </p:extLst>
   </p:cSld>
@@ -2292,7 +2257,7 @@
     </p:spTree>
     <p:extLst>
       <p:ext uri="{BB962C8B-B14F-4D97-AF65-F5344CB8AC3E}">
-        <p14:creationId xmlns:p14="http://schemas.microsoft.com/office/powerpoint/2010/main" val="1976409809"/>
+        <p14:creationId xmlns:p14="http://schemas.microsoft.com/office/powerpoint/2010/main" val="1477864055"/>
       </p:ext>
     </p:extLst>
   </p:cSld>
@@ -2339,7 +2304,7 @@
           <a:bodyPr anchor="b"/>
           <a:lstStyle>
             <a:lvl1pPr>
-              <a:defRPr sz="2400"/>
+              <a:defRPr sz="3200"/>
             </a:lvl1pPr>
           </a:lstStyle>
           <a:p>
@@ -2347,7 +2312,7 @@
               <a:rPr lang="en-US" smtClean="0"/>
               <a:t>Click to edit Master title style</a:t>
             </a:r>
-            <a:endParaRPr lang="en-US"/>
+            <a:endParaRPr lang="en-US" dirty="0"/>
           </a:p>
         </p:txBody>
       </p:sp>
@@ -2371,31 +2336,31 @@
           <a:bodyPr/>
           <a:lstStyle>
             <a:lvl1pPr>
-              <a:defRPr sz="2400"/>
+              <a:defRPr sz="3200"/>
             </a:lvl1pPr>
             <a:lvl2pPr>
-              <a:defRPr sz="2100"/>
+              <a:defRPr sz="2800"/>
             </a:lvl2pPr>
             <a:lvl3pPr>
-              <a:defRPr sz="1800"/>
+              <a:defRPr sz="2400"/>
             </a:lvl3pPr>
             <a:lvl4pPr>
-              <a:defRPr sz="1500"/>
+              <a:defRPr sz="2000"/>
             </a:lvl4pPr>
             <a:lvl5pPr>
-              <a:defRPr sz="1500"/>
+              <a:defRPr sz="2000"/>
             </a:lvl5pPr>
             <a:lvl6pPr>
-              <a:defRPr sz="1500"/>
+              <a:defRPr sz="2000"/>
             </a:lvl6pPr>
             <a:lvl7pPr>
-              <a:defRPr sz="1500"/>
+              <a:defRPr sz="2000"/>
             </a:lvl7pPr>
             <a:lvl8pPr>
-              <a:defRPr sz="1500"/>
+              <a:defRPr sz="2000"/>
             </a:lvl8pPr>
             <a:lvl9pPr>
-              <a:defRPr sz="1500"/>
+              <a:defRPr sz="2000"/>
             </a:lvl9pPr>
           </a:lstStyle>
           <a:p>
@@ -2432,7 +2397,7 @@
               <a:rPr lang="en-US" smtClean="0"/>
               <a:t>Fifth level</a:t>
             </a:r>
-            <a:endParaRPr lang="en-US"/>
+            <a:endParaRPr lang="en-US" dirty="0"/>
           </a:p>
         </p:txBody>
       </p:sp>
@@ -2457,39 +2422,39 @@
           <a:lstStyle>
             <a:lvl1pPr marL="0" indent="0">
               <a:buNone/>
+              <a:defRPr sz="1600"/>
+            </a:lvl1pPr>
+            <a:lvl2pPr marL="457200" indent="0">
+              <a:buNone/>
+              <a:defRPr sz="1400"/>
+            </a:lvl2pPr>
+            <a:lvl3pPr marL="914400" indent="0">
+              <a:buNone/>
               <a:defRPr sz="1200"/>
-            </a:lvl1pPr>
-            <a:lvl2pPr marL="342900" indent="0">
-              <a:buNone/>
-              <a:defRPr sz="1050"/>
-            </a:lvl2pPr>
-            <a:lvl3pPr marL="685800" indent="0">
-              <a:buNone/>
-              <a:defRPr sz="900"/>
             </a:lvl3pPr>
-            <a:lvl4pPr marL="1028700" indent="0">
-              <a:buNone/>
-              <a:defRPr sz="750"/>
+            <a:lvl4pPr marL="1371600" indent="0">
+              <a:buNone/>
+              <a:defRPr sz="1000"/>
             </a:lvl4pPr>
-            <a:lvl5pPr marL="1371600" indent="0">
-              <a:buNone/>
-              <a:defRPr sz="750"/>
+            <a:lvl5pPr marL="1828800" indent="0">
+              <a:buNone/>
+              <a:defRPr sz="1000"/>
             </a:lvl5pPr>
-            <a:lvl6pPr marL="1714500" indent="0">
-              <a:buNone/>
-              <a:defRPr sz="750"/>
+            <a:lvl6pPr marL="2286000" indent="0">
+              <a:buNone/>
+              <a:defRPr sz="1000"/>
             </a:lvl6pPr>
-            <a:lvl7pPr marL="2057400" indent="0">
-              <a:buNone/>
-              <a:defRPr sz="750"/>
+            <a:lvl7pPr marL="2743200" indent="0">
+              <a:buNone/>
+              <a:defRPr sz="1000"/>
             </a:lvl7pPr>
-            <a:lvl8pPr marL="2400300" indent="0">
-              <a:buNone/>
-              <a:defRPr sz="750"/>
+            <a:lvl8pPr marL="3200400" indent="0">
+              <a:buNone/>
+              <a:defRPr sz="1000"/>
             </a:lvl8pPr>
-            <a:lvl9pPr marL="2743200" indent="0">
-              <a:buNone/>
-              <a:defRPr sz="750"/>
+            <a:lvl9pPr marL="3657600" indent="0">
+              <a:buNone/>
+              <a:defRPr sz="1000"/>
             </a:lvl9pPr>
           </a:lstStyle>
           <a:p>
@@ -2569,7 +2534,7 @@
     </p:spTree>
     <p:extLst>
       <p:ext uri="{BB962C8B-B14F-4D97-AF65-F5344CB8AC3E}">
-        <p14:creationId xmlns:p14="http://schemas.microsoft.com/office/powerpoint/2010/main" val="3447495156"/>
+        <p14:creationId xmlns:p14="http://schemas.microsoft.com/office/powerpoint/2010/main" val="302001711"/>
       </p:ext>
     </p:extLst>
   </p:cSld>
@@ -2616,7 +2581,7 @@
           <a:bodyPr anchor="b"/>
           <a:lstStyle>
             <a:lvl1pPr>
-              <a:defRPr sz="2400"/>
+              <a:defRPr sz="3200"/>
             </a:lvl1pPr>
           </a:lstStyle>
           <a:p>
@@ -2624,7 +2589,7 @@
               <a:rPr lang="en-US" smtClean="0"/>
               <a:t>Click to edit Master title style</a:t>
             </a:r>
-            <a:endParaRPr lang="en-US"/>
+            <a:endParaRPr lang="en-US" dirty="0"/>
           </a:p>
         </p:txBody>
       </p:sp>
@@ -2632,7 +2597,7 @@
         <p:nvSpPr>
           <p:cNvPr id="3" name="Picture Placeholder 2"/>
           <p:cNvSpPr>
-            <a:spLocks noGrp="1"/>
+            <a:spLocks noGrp="1" noChangeAspect="1"/>
           </p:cNvSpPr>
           <p:nvPr>
             <p:ph type="pic" idx="1"/>
@@ -2645,43 +2610,43 @@
           </a:xfrm>
         </p:spPr>
         <p:txBody>
-          <a:bodyPr/>
+          <a:bodyPr anchor="t"/>
           <a:lstStyle>
             <a:lvl1pPr marL="0" indent="0">
               <a:buNone/>
+              <a:defRPr sz="3200"/>
+            </a:lvl1pPr>
+            <a:lvl2pPr marL="457200" indent="0">
+              <a:buNone/>
+              <a:defRPr sz="2800"/>
+            </a:lvl2pPr>
+            <a:lvl3pPr marL="914400" indent="0">
+              <a:buNone/>
               <a:defRPr sz="2400"/>
-            </a:lvl1pPr>
-            <a:lvl2pPr marL="342900" indent="0">
-              <a:buNone/>
-              <a:defRPr sz="2100"/>
-            </a:lvl2pPr>
-            <a:lvl3pPr marL="685800" indent="0">
-              <a:buNone/>
-              <a:defRPr sz="1800"/>
             </a:lvl3pPr>
-            <a:lvl4pPr marL="1028700" indent="0">
-              <a:buNone/>
-              <a:defRPr sz="1500"/>
+            <a:lvl4pPr marL="1371600" indent="0">
+              <a:buNone/>
+              <a:defRPr sz="2000"/>
             </a:lvl4pPr>
-            <a:lvl5pPr marL="1371600" indent="0">
-              <a:buNone/>
-              <a:defRPr sz="1500"/>
+            <a:lvl5pPr marL="1828800" indent="0">
+              <a:buNone/>
+              <a:defRPr sz="2000"/>
             </a:lvl5pPr>
-            <a:lvl6pPr marL="1714500" indent="0">
-              <a:buNone/>
-              <a:defRPr sz="1500"/>
+            <a:lvl6pPr marL="2286000" indent="0">
+              <a:buNone/>
+              <a:defRPr sz="2000"/>
             </a:lvl6pPr>
-            <a:lvl7pPr marL="2057400" indent="0">
-              <a:buNone/>
-              <a:defRPr sz="1500"/>
+            <a:lvl7pPr marL="2743200" indent="0">
+              <a:buNone/>
+              <a:defRPr sz="2000"/>
             </a:lvl7pPr>
-            <a:lvl8pPr marL="2400300" indent="0">
-              <a:buNone/>
-              <a:defRPr sz="1500"/>
+            <a:lvl8pPr marL="3200400" indent="0">
+              <a:buNone/>
+              <a:defRPr sz="2000"/>
             </a:lvl8pPr>
-            <a:lvl9pPr marL="2743200" indent="0">
-              <a:buNone/>
-              <a:defRPr sz="1500"/>
+            <a:lvl9pPr marL="3657600" indent="0">
+              <a:buNone/>
+              <a:defRPr sz="2000"/>
             </a:lvl9pPr>
           </a:lstStyle>
           <a:p>
@@ -2689,7 +2654,7 @@
               <a:rPr lang="en-US" smtClean="0"/>
               <a:t>Click icon to add picture</a:t>
             </a:r>
-            <a:endParaRPr lang="en-US"/>
+            <a:endParaRPr lang="en-US" dirty="0"/>
           </a:p>
         </p:txBody>
       </p:sp>
@@ -2714,39 +2679,39 @@
           <a:lstStyle>
             <a:lvl1pPr marL="0" indent="0">
               <a:buNone/>
+              <a:defRPr sz="1600"/>
+            </a:lvl1pPr>
+            <a:lvl2pPr marL="457200" indent="0">
+              <a:buNone/>
+              <a:defRPr sz="1400"/>
+            </a:lvl2pPr>
+            <a:lvl3pPr marL="914400" indent="0">
+              <a:buNone/>
               <a:defRPr sz="1200"/>
-            </a:lvl1pPr>
-            <a:lvl2pPr marL="342900" indent="0">
-              <a:buNone/>
-              <a:defRPr sz="1050"/>
-            </a:lvl2pPr>
-            <a:lvl3pPr marL="685800" indent="0">
-              <a:buNone/>
-              <a:defRPr sz="900"/>
             </a:lvl3pPr>
-            <a:lvl4pPr marL="1028700" indent="0">
-              <a:buNone/>
-              <a:defRPr sz="750"/>
+            <a:lvl4pPr marL="1371600" indent="0">
+              <a:buNone/>
+              <a:defRPr sz="1000"/>
             </a:lvl4pPr>
-            <a:lvl5pPr marL="1371600" indent="0">
-              <a:buNone/>
-              <a:defRPr sz="750"/>
+            <a:lvl5pPr marL="1828800" indent="0">
+              <a:buNone/>
+              <a:defRPr sz="1000"/>
             </a:lvl5pPr>
-            <a:lvl6pPr marL="1714500" indent="0">
-              <a:buNone/>
-              <a:defRPr sz="750"/>
+            <a:lvl6pPr marL="2286000" indent="0">
+              <a:buNone/>
+              <a:defRPr sz="1000"/>
             </a:lvl6pPr>
-            <a:lvl7pPr marL="2057400" indent="0">
-              <a:buNone/>
-              <a:defRPr sz="750"/>
+            <a:lvl7pPr marL="2743200" indent="0">
+              <a:buNone/>
+              <a:defRPr sz="1000"/>
             </a:lvl7pPr>
-            <a:lvl8pPr marL="2400300" indent="0">
-              <a:buNone/>
-              <a:defRPr sz="750"/>
+            <a:lvl8pPr marL="3200400" indent="0">
+              <a:buNone/>
+              <a:defRPr sz="1000"/>
             </a:lvl8pPr>
-            <a:lvl9pPr marL="2743200" indent="0">
-              <a:buNone/>
-              <a:defRPr sz="750"/>
+            <a:lvl9pPr marL="3657600" indent="0">
+              <a:buNone/>
+              <a:defRPr sz="1000"/>
             </a:lvl9pPr>
           </a:lstStyle>
           <a:p>
@@ -2826,7 +2791,7 @@
     </p:spTree>
     <p:extLst>
       <p:ext uri="{BB962C8B-B14F-4D97-AF65-F5344CB8AC3E}">
-        <p14:creationId xmlns:p14="http://schemas.microsoft.com/office/powerpoint/2010/main" val="3280157566"/>
+        <p14:creationId xmlns:p14="http://schemas.microsoft.com/office/powerpoint/2010/main" val="555180829"/>
       </p:ext>
     </p:extLst>
   </p:cSld>
@@ -2879,7 +2844,7 @@
         </p:spPr>
         <p:txBody>
           <a:bodyPr vert="horz" lIns="91440" tIns="45720" rIns="91440" bIns="45720" rtlCol="0" anchor="ctr">
-            <a:normAutofit/>
+            <a:noAutofit/>
           </a:bodyPr>
           <a:lstStyle/>
           <a:p>
@@ -2918,35 +2883,35 @@
           <a:p>
             <a:pPr lvl="0"/>
             <a:r>
-              <a:rPr lang="en-US" dirty="0" smtClean="0"/>
+              <a:rPr lang="en-US" smtClean="0"/>
               <a:t>Edit Master text styles</a:t>
             </a:r>
           </a:p>
           <a:p>
             <a:pPr lvl="1"/>
             <a:r>
-              <a:rPr lang="en-US" dirty="0" smtClean="0"/>
+              <a:rPr lang="en-US" smtClean="0"/>
               <a:t>Second level</a:t>
             </a:r>
           </a:p>
           <a:p>
             <a:pPr lvl="2"/>
             <a:r>
-              <a:rPr lang="en-US" dirty="0" smtClean="0"/>
+              <a:rPr lang="en-US" smtClean="0"/>
               <a:t>Third level</a:t>
             </a:r>
           </a:p>
           <a:p>
             <a:pPr lvl="3"/>
             <a:r>
-              <a:rPr lang="en-US" dirty="0" smtClean="0"/>
+              <a:rPr lang="en-US" smtClean="0"/>
               <a:t>Fourth level</a:t>
             </a:r>
           </a:p>
           <a:p>
             <a:pPr lvl="4"/>
             <a:r>
-              <a:rPr lang="en-US" dirty="0" smtClean="0"/>
+              <a:rPr lang="en-US" smtClean="0"/>
               <a:t>Fifth level</a:t>
             </a:r>
             <a:endParaRPr lang="en-US" dirty="0"/>
@@ -2976,7 +2941,7 @@
           <a:bodyPr vert="horz" lIns="91440" tIns="45720" rIns="91440" bIns="45720" rtlCol="0" anchor="ctr"/>
           <a:lstStyle>
             <a:lvl1pPr algn="l">
-              <a:defRPr sz="900">
+              <a:defRPr sz="1200">
                 <a:solidFill>
                   <a:schemeClr val="tx1">
                     <a:tint val="75000"/>
@@ -3017,7 +2982,7 @@
           <a:bodyPr vert="horz" lIns="91440" tIns="45720" rIns="91440" bIns="45720" rtlCol="0" anchor="ctr"/>
           <a:lstStyle>
             <a:lvl1pPr algn="ctr">
-              <a:defRPr sz="900">
+              <a:defRPr sz="1200">
                 <a:solidFill>
                   <a:schemeClr val="tx1">
                     <a:tint val="75000"/>
@@ -3054,7 +3019,7 @@
           <a:bodyPr vert="horz" lIns="91440" tIns="45720" rIns="91440" bIns="45720" rtlCol="0" anchor="ctr"/>
           <a:lstStyle>
             <a:lvl1pPr algn="r">
-              <a:defRPr sz="900">
+              <a:defRPr sz="1200">
                 <a:solidFill>
                   <a:schemeClr val="tx1">
                     <a:tint val="75000"/>
@@ -3075,27 +3040,27 @@
     </p:spTree>
     <p:extLst>
       <p:ext uri="{BB962C8B-B14F-4D97-AF65-F5344CB8AC3E}">
-        <p14:creationId xmlns:p14="http://schemas.microsoft.com/office/powerpoint/2010/main" val="3661170370"/>
+        <p14:creationId xmlns:p14="http://schemas.microsoft.com/office/powerpoint/2010/main" val="2587688267"/>
       </p:ext>
     </p:extLst>
   </p:cSld>
   <p:clrMap bg1="lt1" tx1="dk1" bg2="lt2" tx2="dk2" accent1="accent1" accent2="accent2" accent3="accent3" accent4="accent4" accent5="accent5" accent6="accent6" hlink="hlink" folHlink="folHlink"/>
   <p:sldLayoutIdLst>
-    <p:sldLayoutId id="2147483733" r:id="rId1"/>
-    <p:sldLayoutId id="2147483734" r:id="rId2"/>
-    <p:sldLayoutId id="2147483735" r:id="rId3"/>
-    <p:sldLayoutId id="2147483736" r:id="rId4"/>
-    <p:sldLayoutId id="2147483737" r:id="rId5"/>
-    <p:sldLayoutId id="2147483738" r:id="rId6"/>
-    <p:sldLayoutId id="2147483739" r:id="rId7"/>
-    <p:sldLayoutId id="2147483740" r:id="rId8"/>
-    <p:sldLayoutId id="2147483741" r:id="rId9"/>
-    <p:sldLayoutId id="2147483742" r:id="rId10"/>
-    <p:sldLayoutId id="2147483743" r:id="rId11"/>
+    <p:sldLayoutId id="2147483745" r:id="rId1"/>
+    <p:sldLayoutId id="2147483746" r:id="rId2"/>
+    <p:sldLayoutId id="2147483747" r:id="rId3"/>
+    <p:sldLayoutId id="2147483748" r:id="rId4"/>
+    <p:sldLayoutId id="2147483749" r:id="rId5"/>
+    <p:sldLayoutId id="2147483750" r:id="rId6"/>
+    <p:sldLayoutId id="2147483751" r:id="rId7"/>
+    <p:sldLayoutId id="2147483752" r:id="rId8"/>
+    <p:sldLayoutId id="2147483753" r:id="rId9"/>
+    <p:sldLayoutId id="2147483754" r:id="rId10"/>
+    <p:sldLayoutId id="2147483755" r:id="rId11"/>
   </p:sldLayoutIdLst>
   <p:txStyles>
     <p:titleStyle>
-      <a:lvl1pPr algn="l" defTabSz="685800" rtl="0" eaLnBrk="1" latinLnBrk="0" hangingPunct="1">
+      <a:lvl1pPr algn="l" defTabSz="914400" rtl="0" eaLnBrk="1" latinLnBrk="0" hangingPunct="1">
         <a:lnSpc>
           <a:spcPct val="90000"/>
         </a:lnSpc>
@@ -3103,26 +3068,47 @@
           <a:spcPct val="0"/>
         </a:spcBef>
         <a:buNone/>
-        <a:defRPr sz="3750" kern="1200">
+        <a:defRPr sz="4500" kern="1200">
           <a:solidFill>
             <a:schemeClr val="tx1"/>
           </a:solidFill>
-          <a:latin typeface="Source Sans Pro" panose="020B0503030403020204" pitchFamily="34" charset="0"/>
+          <a:latin typeface="PT Serif" panose="020A0603040505020204" pitchFamily="18" charset="0"/>
           <a:ea typeface="+mj-ea"/>
           <a:cs typeface="+mj-cs"/>
         </a:defRPr>
       </a:lvl1pPr>
     </p:titleStyle>
     <p:bodyStyle>
-      <a:lvl1pPr marL="270272" indent="-270272" algn="l" defTabSz="685800" rtl="0" eaLnBrk="1" latinLnBrk="0" hangingPunct="1">
+      <a:lvl1pPr marL="266700" indent="-266700" algn="l" defTabSz="914400" rtl="0" eaLnBrk="1" latinLnBrk="0" hangingPunct="1">
         <a:lnSpc>
-          <a:spcPct val="120000"/>
+          <a:spcPct val="100000"/>
         </a:lnSpc>
         <a:spcBef>
-          <a:spcPts val="750"/>
+          <a:spcPts val="600"/>
         </a:spcBef>
         <a:spcAft>
-          <a:spcPts val="450"/>
+          <a:spcPts val="600"/>
+        </a:spcAft>
+        <a:buFont typeface="Arial" panose="020B0604020202020204" pitchFamily="34" charset="0"/>
+        <a:buChar char="•"/>
+        <a:defRPr sz="3500" kern="1200">
+          <a:solidFill>
+            <a:schemeClr val="tx1"/>
+          </a:solidFill>
+          <a:latin typeface="PT Sans" panose="020B0503020203020204" pitchFamily="34" charset="0"/>
+          <a:ea typeface="+mn-ea"/>
+          <a:cs typeface="+mn-cs"/>
+        </a:defRPr>
+      </a:lvl1pPr>
+      <a:lvl2pPr marL="714375" indent="-257175" algn="l" defTabSz="914400" rtl="0" eaLnBrk="1" latinLnBrk="0" hangingPunct="1">
+        <a:lnSpc>
+          <a:spcPct val="100000"/>
+        </a:lnSpc>
+        <a:spcBef>
+          <a:spcPts val="600"/>
+        </a:spcBef>
+        <a:spcAft>
+          <a:spcPts val="600"/>
         </a:spcAft>
         <a:buFont typeface="Arial" panose="020B0604020202020204" pitchFamily="34" charset="0"/>
         <a:buChar char="•"/>
@@ -3130,83 +3116,62 @@
           <a:solidFill>
             <a:schemeClr val="tx1"/>
           </a:solidFill>
-          <a:latin typeface="Source Sans Pro" panose="020B0503030403020204" pitchFamily="34" charset="0"/>
-          <a:ea typeface="+mn-ea"/>
-          <a:cs typeface="+mn-cs"/>
-        </a:defRPr>
-      </a:lvl1pPr>
-      <a:lvl2pPr marL="603647" indent="-260747" algn="l" defTabSz="685800" rtl="0" eaLnBrk="1" latinLnBrk="0" hangingPunct="1">
-        <a:lnSpc>
-          <a:spcPct val="120000"/>
-        </a:lnSpc>
-        <a:spcBef>
-          <a:spcPts val="375"/>
-        </a:spcBef>
-        <a:spcAft>
-          <a:spcPts val="450"/>
-        </a:spcAft>
-        <a:buFont typeface="Arial" panose="020B0604020202020204" pitchFamily="34" charset="0"/>
-        <a:buChar char="•"/>
-        <a:defRPr sz="2625" kern="1200">
-          <a:solidFill>
-            <a:schemeClr val="tx1"/>
-          </a:solidFill>
-          <a:latin typeface="Source Sans Pro" panose="020B0503030403020204" pitchFamily="34" charset="0"/>
+          <a:latin typeface="PT Sans" panose="020B0503020203020204" pitchFamily="34" charset="0"/>
           <a:ea typeface="+mn-ea"/>
           <a:cs typeface="+mn-cs"/>
         </a:defRPr>
       </a:lvl2pPr>
-      <a:lvl3pPr marL="944166" indent="-258366" algn="l" defTabSz="685800" rtl="0" eaLnBrk="1" latinLnBrk="0" hangingPunct="1">
+      <a:lvl3pPr marL="1163638" indent="-249238" algn="l" defTabSz="914400" rtl="0" eaLnBrk="1" latinLnBrk="0" hangingPunct="1">
         <a:lnSpc>
-          <a:spcPct val="120000"/>
+          <a:spcPct val="100000"/>
         </a:lnSpc>
         <a:spcBef>
-          <a:spcPts val="375"/>
+          <a:spcPts val="600"/>
         </a:spcBef>
         <a:spcAft>
-          <a:spcPts val="450"/>
+          <a:spcPts val="600"/>
         </a:spcAft>
         <a:buFont typeface="Arial" panose="020B0604020202020204" pitchFamily="34" charset="0"/>
         <a:buChar char="•"/>
-        <a:defRPr sz="2250" kern="1200">
+        <a:defRPr sz="2500" kern="1200">
           <a:solidFill>
             <a:schemeClr val="tx1"/>
           </a:solidFill>
-          <a:latin typeface="Source Sans Pro" panose="020B0503030403020204" pitchFamily="34" charset="0"/>
+          <a:latin typeface="PT Sans" panose="020B0503020203020204" pitchFamily="34" charset="0"/>
           <a:ea typeface="+mn-ea"/>
           <a:cs typeface="+mn-cs"/>
         </a:defRPr>
       </a:lvl3pPr>
-      <a:lvl4pPr marL="1277541" indent="-248841" algn="l" defTabSz="685800" rtl="0" eaLnBrk="1" latinLnBrk="0" hangingPunct="1">
+      <a:lvl4pPr marL="1612900" indent="-241300" algn="l" defTabSz="914400" rtl="0" eaLnBrk="1" latinLnBrk="0" hangingPunct="1">
         <a:lnSpc>
-          <a:spcPct val="120000"/>
+          <a:spcPct val="100000"/>
         </a:lnSpc>
         <a:spcBef>
-          <a:spcPts val="375"/>
+          <a:spcPts val="600"/>
         </a:spcBef>
         <a:spcAft>
-          <a:spcPts val="450"/>
+          <a:spcPts val="600"/>
         </a:spcAft>
         <a:buFont typeface="Arial" panose="020B0604020202020204" pitchFamily="34" charset="0"/>
         <a:buChar char="•"/>
-        <a:defRPr sz="1875" kern="1200">
+        <a:defRPr sz="2000" kern="1200">
           <a:solidFill>
             <a:schemeClr val="tx1"/>
           </a:solidFill>
-          <a:latin typeface="Source Sans Pro" panose="020B0503030403020204" pitchFamily="34" charset="0"/>
+          <a:latin typeface="PT Sans" panose="020B0503020203020204" pitchFamily="34" charset="0"/>
           <a:ea typeface="+mn-ea"/>
           <a:cs typeface="+mn-cs"/>
         </a:defRPr>
       </a:lvl4pPr>
-      <a:lvl5pPr marL="1616869" indent="-245269" algn="l" defTabSz="685800" rtl="0" eaLnBrk="1" latinLnBrk="0" hangingPunct="1">
+      <a:lvl5pPr marL="2057400" indent="-228600" algn="l" defTabSz="914400" rtl="0" eaLnBrk="1" latinLnBrk="0" hangingPunct="1">
         <a:lnSpc>
-          <a:spcPct val="120000"/>
+          <a:spcPct val="100000"/>
         </a:lnSpc>
         <a:spcBef>
-          <a:spcPts val="375"/>
+          <a:spcPts val="600"/>
         </a:spcBef>
         <a:spcAft>
-          <a:spcPts val="450"/>
+          <a:spcPts val="600"/>
         </a:spcAft>
         <a:buFont typeface="Arial" panose="020B0604020202020204" pitchFamily="34" charset="0"/>
         <a:buChar char="•"/>
@@ -3214,21 +3179,21 @@
           <a:solidFill>
             <a:schemeClr val="tx1"/>
           </a:solidFill>
-          <a:latin typeface="Source Sans Pro" panose="020B0503030403020204" pitchFamily="34" charset="0"/>
+          <a:latin typeface="PT Sans" panose="020B0503020203020204" pitchFamily="34" charset="0"/>
           <a:ea typeface="+mn-ea"/>
           <a:cs typeface="+mn-cs"/>
         </a:defRPr>
       </a:lvl5pPr>
-      <a:lvl6pPr marL="1885950" indent="-171450" algn="l" defTabSz="685800" rtl="0" eaLnBrk="1" latinLnBrk="0" hangingPunct="1">
+      <a:lvl6pPr marL="2514600" indent="-228600" algn="l" defTabSz="914400" rtl="0" eaLnBrk="1" latinLnBrk="0" hangingPunct="1">
         <a:lnSpc>
           <a:spcPct val="90000"/>
         </a:lnSpc>
         <a:spcBef>
-          <a:spcPts val="375"/>
+          <a:spcPts val="500"/>
         </a:spcBef>
         <a:buFont typeface="Arial" panose="020B0604020202020204" pitchFamily="34" charset="0"/>
         <a:buChar char="•"/>
-        <a:defRPr sz="1350" kern="1200">
+        <a:defRPr sz="1800" kern="1200">
           <a:solidFill>
             <a:schemeClr val="tx1"/>
           </a:solidFill>
@@ -3237,16 +3202,16 @@
           <a:cs typeface="+mn-cs"/>
         </a:defRPr>
       </a:lvl6pPr>
-      <a:lvl7pPr marL="2228850" indent="-171450" algn="l" defTabSz="685800" rtl="0" eaLnBrk="1" latinLnBrk="0" hangingPunct="1">
+      <a:lvl7pPr marL="2971800" indent="-228600" algn="l" defTabSz="914400" rtl="0" eaLnBrk="1" latinLnBrk="0" hangingPunct="1">
         <a:lnSpc>
           <a:spcPct val="90000"/>
         </a:lnSpc>
         <a:spcBef>
-          <a:spcPts val="375"/>
+          <a:spcPts val="500"/>
         </a:spcBef>
         <a:buFont typeface="Arial" panose="020B0604020202020204" pitchFamily="34" charset="0"/>
         <a:buChar char="•"/>
-        <a:defRPr sz="1350" kern="1200">
+        <a:defRPr sz="1800" kern="1200">
           <a:solidFill>
             <a:schemeClr val="tx1"/>
           </a:solidFill>
@@ -3255,16 +3220,16 @@
           <a:cs typeface="+mn-cs"/>
         </a:defRPr>
       </a:lvl7pPr>
-      <a:lvl8pPr marL="2571750" indent="-171450" algn="l" defTabSz="685800" rtl="0" eaLnBrk="1" latinLnBrk="0" hangingPunct="1">
+      <a:lvl8pPr marL="3429000" indent="-228600" algn="l" defTabSz="914400" rtl="0" eaLnBrk="1" latinLnBrk="0" hangingPunct="1">
         <a:lnSpc>
           <a:spcPct val="90000"/>
         </a:lnSpc>
         <a:spcBef>
-          <a:spcPts val="375"/>
+          <a:spcPts val="500"/>
         </a:spcBef>
         <a:buFont typeface="Arial" panose="020B0604020202020204" pitchFamily="34" charset="0"/>
         <a:buChar char="•"/>
-        <a:defRPr sz="1350" kern="1200">
+        <a:defRPr sz="1800" kern="1200">
           <a:solidFill>
             <a:schemeClr val="tx1"/>
           </a:solidFill>
@@ -3273,16 +3238,16 @@
           <a:cs typeface="+mn-cs"/>
         </a:defRPr>
       </a:lvl8pPr>
-      <a:lvl9pPr marL="2914650" indent="-171450" algn="l" defTabSz="685800" rtl="0" eaLnBrk="1" latinLnBrk="0" hangingPunct="1">
+      <a:lvl9pPr marL="3886200" indent="-228600" algn="l" defTabSz="914400" rtl="0" eaLnBrk="1" latinLnBrk="0" hangingPunct="1">
         <a:lnSpc>
           <a:spcPct val="90000"/>
         </a:lnSpc>
         <a:spcBef>
-          <a:spcPts val="375"/>
+          <a:spcPts val="500"/>
         </a:spcBef>
         <a:buFont typeface="Arial" panose="020B0604020202020204" pitchFamily="34" charset="0"/>
         <a:buChar char="•"/>
-        <a:defRPr sz="1350" kern="1200">
+        <a:defRPr sz="1800" kern="1200">
           <a:solidFill>
             <a:schemeClr val="tx1"/>
           </a:solidFill>
@@ -3296,8 +3261,8 @@
       <a:defPPr>
         <a:defRPr lang="en-US"/>
       </a:defPPr>
-      <a:lvl1pPr marL="0" algn="l" defTabSz="685800" rtl="0" eaLnBrk="1" latinLnBrk="0" hangingPunct="1">
-        <a:defRPr sz="1350" kern="1200">
+      <a:lvl1pPr marL="0" algn="l" defTabSz="914400" rtl="0" eaLnBrk="1" latinLnBrk="0" hangingPunct="1">
+        <a:defRPr sz="1800" kern="1200">
           <a:solidFill>
             <a:schemeClr val="tx1"/>
           </a:solidFill>
@@ -3306,8 +3271,8 @@
           <a:cs typeface="+mn-cs"/>
         </a:defRPr>
       </a:lvl1pPr>
-      <a:lvl2pPr marL="342900" algn="l" defTabSz="685800" rtl="0" eaLnBrk="1" latinLnBrk="0" hangingPunct="1">
-        <a:defRPr sz="1350" kern="1200">
+      <a:lvl2pPr marL="457200" algn="l" defTabSz="914400" rtl="0" eaLnBrk="1" latinLnBrk="0" hangingPunct="1">
+        <a:defRPr sz="1800" kern="1200">
           <a:solidFill>
             <a:schemeClr val="tx1"/>
           </a:solidFill>
@@ -3316,8 +3281,8 @@
           <a:cs typeface="+mn-cs"/>
         </a:defRPr>
       </a:lvl2pPr>
-      <a:lvl3pPr marL="685800" algn="l" defTabSz="685800" rtl="0" eaLnBrk="1" latinLnBrk="0" hangingPunct="1">
-        <a:defRPr sz="1350" kern="1200">
+      <a:lvl3pPr marL="914400" algn="l" defTabSz="914400" rtl="0" eaLnBrk="1" latinLnBrk="0" hangingPunct="1">
+        <a:defRPr sz="1800" kern="1200">
           <a:solidFill>
             <a:schemeClr val="tx1"/>
           </a:solidFill>
@@ -3326,8 +3291,8 @@
           <a:cs typeface="+mn-cs"/>
         </a:defRPr>
       </a:lvl3pPr>
-      <a:lvl4pPr marL="1028700" algn="l" defTabSz="685800" rtl="0" eaLnBrk="1" latinLnBrk="0" hangingPunct="1">
-        <a:defRPr sz="1350" kern="1200">
+      <a:lvl4pPr marL="1371600" algn="l" defTabSz="914400" rtl="0" eaLnBrk="1" latinLnBrk="0" hangingPunct="1">
+        <a:defRPr sz="1800" kern="1200">
           <a:solidFill>
             <a:schemeClr val="tx1"/>
           </a:solidFill>
@@ -3336,8 +3301,8 @@
           <a:cs typeface="+mn-cs"/>
         </a:defRPr>
       </a:lvl4pPr>
-      <a:lvl5pPr marL="1371600" algn="l" defTabSz="685800" rtl="0" eaLnBrk="1" latinLnBrk="0" hangingPunct="1">
-        <a:defRPr sz="1350" kern="1200">
+      <a:lvl5pPr marL="1828800" algn="l" defTabSz="914400" rtl="0" eaLnBrk="1" latinLnBrk="0" hangingPunct="1">
+        <a:defRPr sz="1800" kern="1200">
           <a:solidFill>
             <a:schemeClr val="tx1"/>
           </a:solidFill>
@@ -3346,8 +3311,8 @@
           <a:cs typeface="+mn-cs"/>
         </a:defRPr>
       </a:lvl5pPr>
-      <a:lvl6pPr marL="1714500" algn="l" defTabSz="685800" rtl="0" eaLnBrk="1" latinLnBrk="0" hangingPunct="1">
-        <a:defRPr sz="1350" kern="1200">
+      <a:lvl6pPr marL="2286000" algn="l" defTabSz="914400" rtl="0" eaLnBrk="1" latinLnBrk="0" hangingPunct="1">
+        <a:defRPr sz="1800" kern="1200">
           <a:solidFill>
             <a:schemeClr val="tx1"/>
           </a:solidFill>
@@ -3356,8 +3321,8 @@
           <a:cs typeface="+mn-cs"/>
         </a:defRPr>
       </a:lvl6pPr>
-      <a:lvl7pPr marL="2057400" algn="l" defTabSz="685800" rtl="0" eaLnBrk="1" latinLnBrk="0" hangingPunct="1">
-        <a:defRPr sz="1350" kern="1200">
+      <a:lvl7pPr marL="2743200" algn="l" defTabSz="914400" rtl="0" eaLnBrk="1" latinLnBrk="0" hangingPunct="1">
+        <a:defRPr sz="1800" kern="1200">
           <a:solidFill>
             <a:schemeClr val="tx1"/>
           </a:solidFill>
@@ -3366,8 +3331,8 @@
           <a:cs typeface="+mn-cs"/>
         </a:defRPr>
       </a:lvl7pPr>
-      <a:lvl8pPr marL="2400300" algn="l" defTabSz="685800" rtl="0" eaLnBrk="1" latinLnBrk="0" hangingPunct="1">
-        <a:defRPr sz="1350" kern="1200">
+      <a:lvl8pPr marL="3200400" algn="l" defTabSz="914400" rtl="0" eaLnBrk="1" latinLnBrk="0" hangingPunct="1">
+        <a:defRPr sz="1800" kern="1200">
           <a:solidFill>
             <a:schemeClr val="tx1"/>
           </a:solidFill>
@@ -3376,8 +3341,8 @@
           <a:cs typeface="+mn-cs"/>
         </a:defRPr>
       </a:lvl8pPr>
-      <a:lvl9pPr marL="2743200" algn="l" defTabSz="685800" rtl="0" eaLnBrk="1" latinLnBrk="0" hangingPunct="1">
-        <a:defRPr sz="1350" kern="1200">
+      <a:lvl9pPr marL="3657600" algn="l" defTabSz="914400" rtl="0" eaLnBrk="1" latinLnBrk="0" hangingPunct="1">
+        <a:defRPr sz="1800" kern="1200">
           <a:solidFill>
             <a:schemeClr val="tx1"/>
           </a:solidFill>
@@ -3471,6 +3436,278 @@
     <p:extLst>
       <p:ext uri="{BB962C8B-B14F-4D97-AF65-F5344CB8AC3E}">
         <p14:creationId xmlns:p14="http://schemas.microsoft.com/office/powerpoint/2010/main" val="4051221578"/>
+      </p:ext>
+    </p:extLst>
+  </p:cSld>
+  <p:clrMapOvr>
+    <a:masterClrMapping/>
+  </p:clrMapOvr>
+  <p:timing>
+    <p:tnLst>
+      <p:par>
+        <p:cTn id="1" dur="indefinite" restart="never" nodeType="tmRoot"/>
+      </p:par>
+    </p:tnLst>
+  </p:timing>
+</p:sld>
+</file>
+
+<file path=ppt/slides/slide10.xml><?xml version="1.0" encoding="utf-8"?>
+<p:sld xmlns:a="http://schemas.openxmlformats.org/drawingml/2006/main" xmlns:r="http://schemas.openxmlformats.org/officeDocument/2006/relationships" xmlns:p="http://schemas.openxmlformats.org/presentationml/2006/main">
+  <p:cSld>
+    <p:spTree>
+      <p:nvGrpSpPr>
+        <p:cNvPr id="1" name=""/>
+        <p:cNvGrpSpPr/>
+        <p:nvPr/>
+      </p:nvGrpSpPr>
+      <p:grpSpPr>
+        <a:xfrm>
+          <a:off x="0" y="0"/>
+          <a:ext cx="0" cy="0"/>
+          <a:chOff x="0" y="0"/>
+          <a:chExt cx="0" cy="0"/>
+        </a:xfrm>
+      </p:grpSpPr>
+      <p:sp>
+        <p:nvSpPr>
+          <p:cNvPr id="2" name="Title 1"/>
+          <p:cNvSpPr>
+            <a:spLocks noGrp="1"/>
+          </p:cNvSpPr>
+          <p:nvPr>
+            <p:ph type="title"/>
+          </p:nvPr>
+        </p:nvSpPr>
+        <p:spPr/>
+        <p:txBody>
+          <a:bodyPr/>
+          <a:lstStyle/>
+          <a:p>
+            <a:r>
+              <a:rPr lang="en-US" dirty="0" smtClean="0"/>
+              <a:t>DP Top Down</a:t>
+            </a:r>
+            <a:endParaRPr lang="en-US" dirty="0"/>
+          </a:p>
+        </p:txBody>
+      </p:sp>
+    </p:spTree>
+    <p:extLst>
+      <p:ext uri="{BB962C8B-B14F-4D97-AF65-F5344CB8AC3E}">
+        <p14:creationId xmlns:p14="http://schemas.microsoft.com/office/powerpoint/2010/main" val="2648205391"/>
+      </p:ext>
+    </p:extLst>
+  </p:cSld>
+  <p:clrMapOvr>
+    <a:masterClrMapping/>
+  </p:clrMapOvr>
+  <p:timing>
+    <p:tnLst>
+      <p:par>
+        <p:cTn id="1" dur="indefinite" restart="never" nodeType="tmRoot"/>
+      </p:par>
+    </p:tnLst>
+  </p:timing>
+</p:sld>
+</file>
+
+<file path=ppt/slides/slide11.xml><?xml version="1.0" encoding="utf-8"?>
+<p:sld xmlns:a="http://schemas.openxmlformats.org/drawingml/2006/main" xmlns:r="http://schemas.openxmlformats.org/officeDocument/2006/relationships" xmlns:p="http://schemas.openxmlformats.org/presentationml/2006/main">
+  <p:cSld>
+    <p:spTree>
+      <p:nvGrpSpPr>
+        <p:cNvPr id="1" name=""/>
+        <p:cNvGrpSpPr/>
+        <p:nvPr/>
+      </p:nvGrpSpPr>
+      <p:grpSpPr>
+        <a:xfrm>
+          <a:off x="0" y="0"/>
+          <a:ext cx="0" cy="0"/>
+          <a:chOff x="0" y="0"/>
+          <a:chExt cx="0" cy="0"/>
+        </a:xfrm>
+      </p:grpSpPr>
+      <p:sp>
+        <p:nvSpPr>
+          <p:cNvPr id="2" name="Title 1"/>
+          <p:cNvSpPr>
+            <a:spLocks noGrp="1"/>
+          </p:cNvSpPr>
+          <p:nvPr>
+            <p:ph type="title"/>
+          </p:nvPr>
+        </p:nvSpPr>
+        <p:spPr/>
+        <p:txBody>
+          <a:bodyPr/>
+          <a:lstStyle/>
+          <a:p>
+            <a:r>
+              <a:rPr lang="en-US" dirty="0" smtClean="0"/>
+              <a:t>DP Bottom Up</a:t>
+            </a:r>
+            <a:endParaRPr lang="en-US" dirty="0"/>
+          </a:p>
+        </p:txBody>
+      </p:sp>
+    </p:spTree>
+    <p:extLst>
+      <p:ext uri="{BB962C8B-B14F-4D97-AF65-F5344CB8AC3E}">
+        <p14:creationId xmlns:p14="http://schemas.microsoft.com/office/powerpoint/2010/main" val="2039717291"/>
+      </p:ext>
+    </p:extLst>
+  </p:cSld>
+  <p:clrMapOvr>
+    <a:masterClrMapping/>
+  </p:clrMapOvr>
+  <p:timing>
+    <p:tnLst>
+      <p:par>
+        <p:cTn id="1" dur="indefinite" restart="never" nodeType="tmRoot"/>
+      </p:par>
+    </p:tnLst>
+  </p:timing>
+</p:sld>
+</file>
+
+<file path=ppt/slides/slide12.xml><?xml version="1.0" encoding="utf-8"?>
+<p:sld xmlns:a="http://schemas.openxmlformats.org/drawingml/2006/main" xmlns:r="http://schemas.openxmlformats.org/officeDocument/2006/relationships" xmlns:p="http://schemas.openxmlformats.org/presentationml/2006/main">
+  <p:cSld>
+    <p:spTree>
+      <p:nvGrpSpPr>
+        <p:cNvPr id="1" name=""/>
+        <p:cNvGrpSpPr/>
+        <p:nvPr/>
+      </p:nvGrpSpPr>
+      <p:grpSpPr>
+        <a:xfrm>
+          <a:off x="0" y="0"/>
+          <a:ext cx="0" cy="0"/>
+          <a:chOff x="0" y="0"/>
+          <a:chExt cx="0" cy="0"/>
+        </a:xfrm>
+      </p:grpSpPr>
+      <p:sp>
+        <p:nvSpPr>
+          <p:cNvPr id="2" name="Title 1"/>
+          <p:cNvSpPr>
+            <a:spLocks noGrp="1"/>
+          </p:cNvSpPr>
+          <p:nvPr>
+            <p:ph type="title"/>
+          </p:nvPr>
+        </p:nvSpPr>
+        <p:spPr/>
+        <p:txBody>
+          <a:bodyPr/>
+          <a:lstStyle/>
+          <a:p>
+            <a:r>
+              <a:rPr lang="en-US" dirty="0" smtClean="0"/>
+              <a:t>Terminology</a:t>
+            </a:r>
+            <a:endParaRPr lang="en-US" dirty="0"/>
+          </a:p>
+        </p:txBody>
+      </p:sp>
+      <p:sp>
+        <p:nvSpPr>
+          <p:cNvPr id="4" name="Content Placeholder 3"/>
+          <p:cNvSpPr>
+            <a:spLocks noGrp="1"/>
+          </p:cNvSpPr>
+          <p:nvPr>
+            <p:ph sz="half" idx="1"/>
+          </p:nvPr>
+        </p:nvSpPr>
+        <p:spPr/>
+        <p:txBody>
+          <a:bodyPr>
+            <a:normAutofit/>
+          </a:bodyPr>
+          <a:lstStyle/>
+          <a:p>
+            <a:pPr marL="0" indent="0">
+              <a:buNone/>
+            </a:pPr>
+            <a:r>
+              <a:rPr lang="en-US" sz="2400" dirty="0" smtClean="0"/>
+              <a:t>overlapping sub </a:t>
+            </a:r>
+            <a:r>
+              <a:rPr lang="en-US" sz="2400" dirty="0"/>
+              <a:t>p</a:t>
+            </a:r>
+            <a:r>
+              <a:rPr lang="en-US" sz="2400" dirty="0" smtClean="0"/>
+              <a:t>roblem</a:t>
+            </a:r>
+          </a:p>
+          <a:p>
+            <a:pPr marL="0" indent="0">
+              <a:buNone/>
+            </a:pPr>
+            <a:r>
+              <a:rPr lang="en-US" sz="2400" dirty="0"/>
+              <a:t>recurrence</a:t>
+            </a:r>
+            <a:endParaRPr lang="en-US" sz="2400" dirty="0" smtClean="0"/>
+          </a:p>
+          <a:p>
+            <a:pPr marL="0" indent="0">
+              <a:buNone/>
+            </a:pPr>
+            <a:r>
+              <a:rPr lang="en-US" sz="2400" dirty="0" smtClean="0"/>
+              <a:t>memo table</a:t>
+            </a:r>
+          </a:p>
+          <a:p>
+            <a:pPr marL="0" indent="0">
+              <a:buNone/>
+            </a:pPr>
+            <a:r>
+              <a:rPr lang="en-US" sz="2400" dirty="0" smtClean="0"/>
+              <a:t>DP bottom up</a:t>
+            </a:r>
+          </a:p>
+          <a:p>
+            <a:pPr marL="0" indent="0">
+              <a:buNone/>
+            </a:pPr>
+            <a:r>
+              <a:rPr lang="en-US" sz="2400" dirty="0" smtClean="0"/>
+              <a:t>DP top down</a:t>
+            </a:r>
+            <a:endParaRPr lang="en-US" sz="2400" dirty="0"/>
+          </a:p>
+        </p:txBody>
+      </p:sp>
+      <p:sp>
+        <p:nvSpPr>
+          <p:cNvPr id="5" name="Content Placeholder 4"/>
+          <p:cNvSpPr>
+            <a:spLocks noGrp="1"/>
+          </p:cNvSpPr>
+          <p:nvPr>
+            <p:ph sz="half" idx="2"/>
+          </p:nvPr>
+        </p:nvSpPr>
+        <p:spPr/>
+        <p:txBody>
+          <a:bodyPr/>
+          <a:lstStyle/>
+          <a:p>
+            <a:endParaRPr lang="en-US"/>
+          </a:p>
+        </p:txBody>
+      </p:sp>
+    </p:spTree>
+    <p:extLst>
+      <p:ext uri="{BB962C8B-B14F-4D97-AF65-F5344CB8AC3E}">
+        <p14:creationId xmlns:p14="http://schemas.microsoft.com/office/powerpoint/2010/main" val="2098857798"/>
       </p:ext>
     </p:extLst>
   </p:cSld>
@@ -3555,15 +3792,30 @@
             <a:pPr lvl="1"/>
             <a:r>
               <a:rPr lang="en-US" dirty="0" smtClean="0"/>
-              <a:t>Problem Observation</a:t>
+              <a:t>Overlapping sub problems</a:t>
             </a:r>
           </a:p>
           <a:p>
             <a:pPr lvl="1"/>
             <a:r>
               <a:rPr lang="en-US" dirty="0" smtClean="0"/>
-              <a:t>Problem Simplification</a:t>
-            </a:r>
+              <a:t>Recurrence</a:t>
+            </a:r>
+            <a:endParaRPr lang="en-US" dirty="0" smtClean="0"/>
+          </a:p>
+          <a:p>
+            <a:pPr lvl="1"/>
+            <a:r>
+              <a:rPr lang="en-US" dirty="0" smtClean="0"/>
+              <a:t>Pseudocode </a:t>
+            </a:r>
+            <a:r>
+              <a:rPr lang="en-US" dirty="0" smtClean="0">
+                <a:sym typeface="Wingdings" panose="05000000000000000000" pitchFamily="2" charset="2"/>
+              </a:rPr>
+              <a:t> implementation</a:t>
+            </a:r>
+            <a:endParaRPr lang="en-US" dirty="0" smtClean="0"/>
           </a:p>
           <a:p>
             <a:pPr lvl="1"/>
@@ -3591,10 +3843,502 @@
 </p:sld>
 </file>
 
+<file path=ppt/slides/slide3.xml><?xml version="1.0" encoding="utf-8"?>
+<p:sld xmlns:a="http://schemas.openxmlformats.org/drawingml/2006/main" xmlns:r="http://schemas.openxmlformats.org/officeDocument/2006/relationships" xmlns:p="http://schemas.openxmlformats.org/presentationml/2006/main">
+  <p:cSld>
+    <p:spTree>
+      <p:nvGrpSpPr>
+        <p:cNvPr id="1" name=""/>
+        <p:cNvGrpSpPr/>
+        <p:nvPr/>
+      </p:nvGrpSpPr>
+      <p:grpSpPr>
+        <a:xfrm>
+          <a:off x="0" y="0"/>
+          <a:ext cx="0" cy="0"/>
+          <a:chOff x="0" y="0"/>
+          <a:chExt cx="0" cy="0"/>
+        </a:xfrm>
+      </p:grpSpPr>
+      <p:sp>
+        <p:nvSpPr>
+          <p:cNvPr id="2" name="Title 1"/>
+          <p:cNvSpPr>
+            <a:spLocks noGrp="1"/>
+          </p:cNvSpPr>
+          <p:nvPr>
+            <p:ph type="title"/>
+          </p:nvPr>
+        </p:nvSpPr>
+        <p:spPr/>
+        <p:txBody>
+          <a:bodyPr/>
+          <a:lstStyle/>
+          <a:p>
+            <a:r>
+              <a:rPr lang="en-US" dirty="0" smtClean="0"/>
+              <a:t>Problem Definition</a:t>
+            </a:r>
+            <a:endParaRPr lang="en-US" dirty="0"/>
+          </a:p>
+        </p:txBody>
+      </p:sp>
+      <p:pic>
+        <p:nvPicPr>
+          <p:cNvPr id="5" name="Picture 4"/>
+          <p:cNvPicPr>
+            <a:picLocks noChangeAspect="1"/>
+          </p:cNvPicPr>
+          <p:nvPr/>
+        </p:nvPicPr>
+        <p:blipFill>
+          <a:blip r:embed="rId2"/>
+          <a:stretch>
+            <a:fillRect/>
+          </a:stretch>
+        </p:blipFill>
+        <p:spPr>
+          <a:xfrm>
+            <a:off x="171450" y="2219328"/>
+            <a:ext cx="8801100" cy="2311756"/>
+          </a:xfrm>
+          <a:prstGeom prst="rect">
+            <a:avLst/>
+          </a:prstGeom>
+        </p:spPr>
+      </p:pic>
+    </p:spTree>
+    <p:extLst>
+      <p:ext uri="{BB962C8B-B14F-4D97-AF65-F5344CB8AC3E}">
+        <p14:creationId xmlns:p14="http://schemas.microsoft.com/office/powerpoint/2010/main" val="2575546793"/>
+      </p:ext>
+    </p:extLst>
+  </p:cSld>
+  <p:clrMapOvr>
+    <a:masterClrMapping/>
+  </p:clrMapOvr>
+  <p:timing>
+    <p:tnLst>
+      <p:par>
+        <p:cTn id="1" dur="indefinite" restart="never" nodeType="tmRoot"/>
+      </p:par>
+    </p:tnLst>
+  </p:timing>
+</p:sld>
+</file>
+
+<file path=ppt/slides/slide4.xml><?xml version="1.0" encoding="utf-8"?>
+<p:sld xmlns:a="http://schemas.openxmlformats.org/drawingml/2006/main" xmlns:r="http://schemas.openxmlformats.org/officeDocument/2006/relationships" xmlns:p="http://schemas.openxmlformats.org/presentationml/2006/main">
+  <p:cSld>
+    <p:spTree>
+      <p:nvGrpSpPr>
+        <p:cNvPr id="1" name=""/>
+        <p:cNvGrpSpPr/>
+        <p:nvPr/>
+      </p:nvGrpSpPr>
+      <p:grpSpPr>
+        <a:xfrm>
+          <a:off x="0" y="0"/>
+          <a:ext cx="0" cy="0"/>
+          <a:chOff x="0" y="0"/>
+          <a:chExt cx="0" cy="0"/>
+        </a:xfrm>
+      </p:grpSpPr>
+      <p:sp>
+        <p:nvSpPr>
+          <p:cNvPr id="2" name="Title 1"/>
+          <p:cNvSpPr>
+            <a:spLocks noGrp="1"/>
+          </p:cNvSpPr>
+          <p:nvPr>
+            <p:ph type="title"/>
+          </p:nvPr>
+        </p:nvSpPr>
+        <p:spPr/>
+        <p:txBody>
+          <a:bodyPr/>
+          <a:lstStyle/>
+          <a:p>
+            <a:r>
+              <a:rPr lang="en-US" dirty="0" smtClean="0"/>
+              <a:t>Problem Definition</a:t>
+            </a:r>
+            <a:endParaRPr lang="en-US" dirty="0"/>
+          </a:p>
+        </p:txBody>
+      </p:sp>
+      <p:pic>
+        <p:nvPicPr>
+          <p:cNvPr id="3" name="Picture 2"/>
+          <p:cNvPicPr>
+            <a:picLocks noChangeAspect="1"/>
+          </p:cNvPicPr>
+          <p:nvPr/>
+        </p:nvPicPr>
+        <p:blipFill>
+          <a:blip r:embed="rId2"/>
+          <a:stretch>
+            <a:fillRect/>
+          </a:stretch>
+        </p:blipFill>
+        <p:spPr>
+          <a:xfrm>
+            <a:off x="554577" y="1576389"/>
+            <a:ext cx="8034845" cy="4896727"/>
+          </a:xfrm>
+          <a:prstGeom prst="rect">
+            <a:avLst/>
+          </a:prstGeom>
+        </p:spPr>
+      </p:pic>
+    </p:spTree>
+    <p:extLst>
+      <p:ext uri="{BB962C8B-B14F-4D97-AF65-F5344CB8AC3E}">
+        <p14:creationId xmlns:p14="http://schemas.microsoft.com/office/powerpoint/2010/main" val="349628293"/>
+      </p:ext>
+    </p:extLst>
+  </p:cSld>
+  <p:clrMapOvr>
+    <a:masterClrMapping/>
+  </p:clrMapOvr>
+  <p:timing>
+    <p:tnLst>
+      <p:par>
+        <p:cTn id="1" dur="indefinite" restart="never" nodeType="tmRoot"/>
+      </p:par>
+    </p:tnLst>
+  </p:timing>
+</p:sld>
+</file>
+
+<file path=ppt/slides/slide5.xml><?xml version="1.0" encoding="utf-8"?>
+<p:sld xmlns:a="http://schemas.openxmlformats.org/drawingml/2006/main" xmlns:r="http://schemas.openxmlformats.org/officeDocument/2006/relationships" xmlns:p="http://schemas.openxmlformats.org/presentationml/2006/main">
+  <p:cSld>
+    <p:spTree>
+      <p:nvGrpSpPr>
+        <p:cNvPr id="1" name=""/>
+        <p:cNvGrpSpPr/>
+        <p:nvPr/>
+      </p:nvGrpSpPr>
+      <p:grpSpPr>
+        <a:xfrm>
+          <a:off x="0" y="0"/>
+          <a:ext cx="0" cy="0"/>
+          <a:chOff x="0" y="0"/>
+          <a:chExt cx="0" cy="0"/>
+        </a:xfrm>
+      </p:grpSpPr>
+      <p:sp>
+        <p:nvSpPr>
+          <p:cNvPr id="2" name="Title 1"/>
+          <p:cNvSpPr>
+            <a:spLocks noGrp="1"/>
+          </p:cNvSpPr>
+          <p:nvPr>
+            <p:ph type="title"/>
+          </p:nvPr>
+        </p:nvSpPr>
+        <p:spPr/>
+        <p:txBody>
+          <a:bodyPr/>
+          <a:lstStyle/>
+          <a:p>
+            <a:r>
+              <a:rPr lang="en-US" dirty="0" smtClean="0"/>
+              <a:t>Problem Definition</a:t>
+            </a:r>
+            <a:endParaRPr lang="en-US" dirty="0"/>
+          </a:p>
+        </p:txBody>
+      </p:sp>
+      <p:pic>
+        <p:nvPicPr>
+          <p:cNvPr id="3" name="Picture 2"/>
+          <p:cNvPicPr>
+            <a:picLocks noChangeAspect="1"/>
+          </p:cNvPicPr>
+          <p:nvPr/>
+        </p:nvPicPr>
+        <p:blipFill>
+          <a:blip r:embed="rId2"/>
+          <a:stretch>
+            <a:fillRect/>
+          </a:stretch>
+        </p:blipFill>
+        <p:spPr>
+          <a:xfrm>
+            <a:off x="551889" y="1866623"/>
+            <a:ext cx="8040222" cy="3953427"/>
+          </a:xfrm>
+          <a:prstGeom prst="rect">
+            <a:avLst/>
+          </a:prstGeom>
+        </p:spPr>
+      </p:pic>
+    </p:spTree>
+    <p:extLst>
+      <p:ext uri="{BB962C8B-B14F-4D97-AF65-F5344CB8AC3E}">
+        <p14:creationId xmlns:p14="http://schemas.microsoft.com/office/powerpoint/2010/main" val="2093457222"/>
+      </p:ext>
+    </p:extLst>
+  </p:cSld>
+  <p:clrMapOvr>
+    <a:masterClrMapping/>
+  </p:clrMapOvr>
+  <p:timing>
+    <p:tnLst>
+      <p:par>
+        <p:cTn id="1" dur="indefinite" restart="never" nodeType="tmRoot"/>
+      </p:par>
+    </p:tnLst>
+  </p:timing>
+</p:sld>
+</file>
+
+<file path=ppt/slides/slide6.xml><?xml version="1.0" encoding="utf-8"?>
+<p:sld xmlns:a="http://schemas.openxmlformats.org/drawingml/2006/main" xmlns:r="http://schemas.openxmlformats.org/officeDocument/2006/relationships" xmlns:p="http://schemas.openxmlformats.org/presentationml/2006/main">
+  <p:cSld>
+    <p:spTree>
+      <p:nvGrpSpPr>
+        <p:cNvPr id="1" name=""/>
+        <p:cNvGrpSpPr/>
+        <p:nvPr/>
+      </p:nvGrpSpPr>
+      <p:grpSpPr>
+        <a:xfrm>
+          <a:off x="0" y="0"/>
+          <a:ext cx="0" cy="0"/>
+          <a:chOff x="0" y="0"/>
+          <a:chExt cx="0" cy="0"/>
+        </a:xfrm>
+      </p:grpSpPr>
+      <p:sp>
+        <p:nvSpPr>
+          <p:cNvPr id="2" name="Title 1"/>
+          <p:cNvSpPr>
+            <a:spLocks noGrp="1"/>
+          </p:cNvSpPr>
+          <p:nvPr>
+            <p:ph type="title"/>
+          </p:nvPr>
+        </p:nvSpPr>
+        <p:spPr/>
+        <p:txBody>
+          <a:bodyPr/>
+          <a:lstStyle/>
+          <a:p>
+            <a:r>
+              <a:rPr lang="en-US" sz="3600" dirty="0" smtClean="0"/>
+              <a:t>What is the overlapping sub problem from this example? –Observation-</a:t>
+            </a:r>
+            <a:endParaRPr lang="en-US" sz="3600" dirty="0"/>
+          </a:p>
+        </p:txBody>
+      </p:sp>
+    </p:spTree>
+    <p:extLst>
+      <p:ext uri="{BB962C8B-B14F-4D97-AF65-F5344CB8AC3E}">
+        <p14:creationId xmlns:p14="http://schemas.microsoft.com/office/powerpoint/2010/main" val="3395235812"/>
+      </p:ext>
+    </p:extLst>
+  </p:cSld>
+  <p:clrMapOvr>
+    <a:masterClrMapping/>
+  </p:clrMapOvr>
+  <p:timing>
+    <p:tnLst>
+      <p:par>
+        <p:cTn id="1" dur="indefinite" restart="never" nodeType="tmRoot"/>
+      </p:par>
+    </p:tnLst>
+  </p:timing>
+</p:sld>
+</file>
+
+<file path=ppt/slides/slide7.xml><?xml version="1.0" encoding="utf-8"?>
+<p:sld xmlns:a="http://schemas.openxmlformats.org/drawingml/2006/main" xmlns:r="http://schemas.openxmlformats.org/officeDocument/2006/relationships" xmlns:p="http://schemas.openxmlformats.org/presentationml/2006/main">
+  <p:cSld>
+    <p:spTree>
+      <p:nvGrpSpPr>
+        <p:cNvPr id="1" name=""/>
+        <p:cNvGrpSpPr/>
+        <p:nvPr/>
+      </p:nvGrpSpPr>
+      <p:grpSpPr>
+        <a:xfrm>
+          <a:off x="0" y="0"/>
+          <a:ext cx="0" cy="0"/>
+          <a:chOff x="0" y="0"/>
+          <a:chExt cx="0" cy="0"/>
+        </a:xfrm>
+      </p:grpSpPr>
+      <p:sp>
+        <p:nvSpPr>
+          <p:cNvPr id="2" name="Title 1"/>
+          <p:cNvSpPr>
+            <a:spLocks noGrp="1"/>
+          </p:cNvSpPr>
+          <p:nvPr>
+            <p:ph type="title"/>
+          </p:nvPr>
+        </p:nvSpPr>
+        <p:spPr/>
+        <p:txBody>
+          <a:bodyPr/>
+          <a:lstStyle/>
+          <a:p>
+            <a:r>
+              <a:rPr lang="en-US" dirty="0" smtClean="0"/>
+              <a:t>Deciding the correct recurrence -Abstraction-</a:t>
+            </a:r>
+            <a:endParaRPr lang="en-US" dirty="0"/>
+          </a:p>
+        </p:txBody>
+      </p:sp>
+    </p:spTree>
+    <p:extLst>
+      <p:ext uri="{BB962C8B-B14F-4D97-AF65-F5344CB8AC3E}">
+        <p14:creationId xmlns:p14="http://schemas.microsoft.com/office/powerpoint/2010/main" val="1324615435"/>
+      </p:ext>
+    </p:extLst>
+  </p:cSld>
+  <p:clrMapOvr>
+    <a:masterClrMapping/>
+  </p:clrMapOvr>
+  <p:timing>
+    <p:tnLst>
+      <p:par>
+        <p:cTn id="1" dur="indefinite" restart="never" nodeType="tmRoot"/>
+      </p:par>
+    </p:tnLst>
+  </p:timing>
+</p:sld>
+</file>
+
+<file path=ppt/slides/slide8.xml><?xml version="1.0" encoding="utf-8"?>
+<p:sld xmlns:a="http://schemas.openxmlformats.org/drawingml/2006/main" xmlns:r="http://schemas.openxmlformats.org/officeDocument/2006/relationships" xmlns:p="http://schemas.openxmlformats.org/presentationml/2006/main">
+  <p:cSld>
+    <p:spTree>
+      <p:nvGrpSpPr>
+        <p:cNvPr id="1" name=""/>
+        <p:cNvGrpSpPr/>
+        <p:nvPr/>
+      </p:nvGrpSpPr>
+      <p:grpSpPr>
+        <a:xfrm>
+          <a:off x="0" y="0"/>
+          <a:ext cx="0" cy="0"/>
+          <a:chOff x="0" y="0"/>
+          <a:chExt cx="0" cy="0"/>
+        </a:xfrm>
+      </p:grpSpPr>
+      <p:sp>
+        <p:nvSpPr>
+          <p:cNvPr id="2" name="Title 1"/>
+          <p:cNvSpPr>
+            <a:spLocks noGrp="1"/>
+          </p:cNvSpPr>
+          <p:nvPr>
+            <p:ph type="title"/>
+          </p:nvPr>
+        </p:nvSpPr>
+        <p:spPr/>
+        <p:txBody>
+          <a:bodyPr/>
+          <a:lstStyle/>
+          <a:p>
+            <a:r>
+              <a:rPr lang="en-US" dirty="0" smtClean="0"/>
+              <a:t>Simplify into pseudocode</a:t>
+            </a:r>
+            <a:endParaRPr lang="en-US" dirty="0"/>
+          </a:p>
+        </p:txBody>
+      </p:sp>
+    </p:spTree>
+    <p:extLst>
+      <p:ext uri="{BB962C8B-B14F-4D97-AF65-F5344CB8AC3E}">
+        <p14:creationId xmlns:p14="http://schemas.microsoft.com/office/powerpoint/2010/main" val="2014687226"/>
+      </p:ext>
+    </p:extLst>
+  </p:cSld>
+  <p:clrMapOvr>
+    <a:masterClrMapping/>
+  </p:clrMapOvr>
+  <p:timing>
+    <p:tnLst>
+      <p:par>
+        <p:cTn id="1" dur="indefinite" restart="never" nodeType="tmRoot"/>
+      </p:par>
+    </p:tnLst>
+  </p:timing>
+</p:sld>
+</file>
+
+<file path=ppt/slides/slide9.xml><?xml version="1.0" encoding="utf-8"?>
+<p:sld xmlns:a="http://schemas.openxmlformats.org/drawingml/2006/main" xmlns:r="http://schemas.openxmlformats.org/officeDocument/2006/relationships" xmlns:p="http://schemas.openxmlformats.org/presentationml/2006/main">
+  <p:cSld>
+    <p:spTree>
+      <p:nvGrpSpPr>
+        <p:cNvPr id="1" name=""/>
+        <p:cNvGrpSpPr/>
+        <p:nvPr/>
+      </p:nvGrpSpPr>
+      <p:grpSpPr>
+        <a:xfrm>
+          <a:off x="0" y="0"/>
+          <a:ext cx="0" cy="0"/>
+          <a:chOff x="0" y="0"/>
+          <a:chExt cx="0" cy="0"/>
+        </a:xfrm>
+      </p:grpSpPr>
+      <p:sp>
+        <p:nvSpPr>
+          <p:cNvPr id="2" name="Title 1"/>
+          <p:cNvSpPr>
+            <a:spLocks noGrp="1"/>
+          </p:cNvSpPr>
+          <p:nvPr>
+            <p:ph type="title"/>
+          </p:nvPr>
+        </p:nvSpPr>
+        <p:spPr/>
+        <p:txBody>
+          <a:bodyPr/>
+          <a:lstStyle/>
+          <a:p>
+            <a:r>
+              <a:rPr lang="en-US" dirty="0" smtClean="0"/>
+              <a:t>Recursive Solution</a:t>
+            </a:r>
+            <a:endParaRPr lang="en-US" dirty="0"/>
+          </a:p>
+        </p:txBody>
+      </p:sp>
+    </p:spTree>
+    <p:extLst>
+      <p:ext uri="{BB962C8B-B14F-4D97-AF65-F5344CB8AC3E}">
+        <p14:creationId xmlns:p14="http://schemas.microsoft.com/office/powerpoint/2010/main" val="2652081996"/>
+      </p:ext>
+    </p:extLst>
+  </p:cSld>
+  <p:clrMapOvr>
+    <a:masterClrMapping/>
+  </p:clrMapOvr>
+  <p:timing>
+    <p:tnLst>
+      <p:par>
+        <p:cTn id="1" dur="indefinite" restart="never" nodeType="tmRoot"/>
+      </p:par>
+    </p:tnLst>
+  </p:timing>
+</p:sld>
+</file>
+
 <file path=ppt/theme/theme1.xml><?xml version="1.0" encoding="utf-8"?>
-<a:theme xmlns:a="http://schemas.openxmlformats.org/drawingml/2006/main" name="Source Sans Template">
+<a:theme xmlns:a="http://schemas.openxmlformats.org/drawingml/2006/main" name="PT Template">
   <a:themeElements>
-    <a:clrScheme name="Office">
+    <a:clrScheme name="Office Theme">
       <a:dk1>
         <a:sysClr val="windowText" lastClr="000000"/>
       </a:dk1>
@@ -3632,14 +4376,14 @@
         <a:srgbClr val="954F72"/>
       </a:folHlink>
     </a:clrScheme>
-    <a:fontScheme name="Office">
+    <a:fontScheme name="Office Theme">
       <a:majorFont>
         <a:latin typeface="Calibri Light" panose="020F0302020204030204"/>
         <a:ea typeface=""/>
         <a:cs typeface=""/>
-        <a:font script="Jpan" typeface="游ゴシック Light"/>
+        <a:font script="Jpan" typeface="ＭＳ Ｐゴシック"/>
         <a:font script="Hang" typeface="맑은 고딕"/>
-        <a:font script="Hans" typeface="等线 Light"/>
+        <a:font script="Hans" typeface="宋体"/>
         <a:font script="Hant" typeface="新細明體"/>
         <a:font script="Arab" typeface="Times New Roman"/>
         <a:font script="Hebr" typeface="Times New Roman"/>
@@ -3672,9 +4416,9 @@
         <a:latin typeface="Calibri" panose="020F0502020204030204"/>
         <a:ea typeface=""/>
         <a:cs typeface=""/>
-        <a:font script="Jpan" typeface="游ゴシック"/>
+        <a:font script="Jpan" typeface="ＭＳ Ｐゴシック"/>
         <a:font script="Hang" typeface="맑은 고딕"/>
-        <a:font script="Hans" typeface="等线"/>
+        <a:font script="Hans" typeface="宋体"/>
         <a:font script="Hant" typeface="新細明體"/>
         <a:font script="Arab" typeface="Arial"/>
         <a:font script="Hebr" typeface="Arial"/>
@@ -3704,7 +4448,7 @@
         <a:font script="Geor" typeface="Sylfaen"/>
       </a:minorFont>
     </a:fontScheme>
-    <a:fmtScheme name="Office">
+    <a:fmtScheme name="Office Theme">
       <a:fillStyleLst>
         <a:solidFill>
           <a:schemeClr val="phClr"/>
@@ -3846,7 +4590,7 @@
   <a:extraClrSchemeLst/>
   <a:extLst>
     <a:ext uri="{05A4C25C-085E-4340-85A3-A5531E510DB2}">
-      <thm15:themeFamily xmlns:thm15="http://schemas.microsoft.com/office/thememl/2012/main" name="Source Sans Template.potx" id="{A65D70EB-3FF6-4289-99FC-D0E4A7EC6029}" vid="{88F1D283-820F-4A44-9EBC-8E598D09D874}"/>
+      <thm15:themeFamily xmlns:thm15="http://schemas.microsoft.com/office/thememl/2012/main" name="PT Template.potx" id="{86CCC9F1-B33B-44F8-B256-2D15C9FC7D79}" vid="{381C3EBF-EAE0-431B-802A-D1E6DF8BFCF3}"/>
     </a:ext>
   </a:extLst>
 </a:theme>

--- a/161702/presentation/02 - Review Divide and Conquer/02. Review Divide and Conquer.pptx
+++ b/161702/presentation/02 - Review Divide and Conquer/02. Review Divide and Conquer.pptx
@@ -497,6 +497,90 @@
     </a:lvl9pPr>
   </p:notesStyle>
 </p:notesMaster>
+</file>
+
+<file path=ppt/notesSlides/notesSlide1.xml><?xml version="1.0" encoding="utf-8"?>
+<p:notes xmlns:a="http://schemas.openxmlformats.org/drawingml/2006/main" xmlns:r="http://schemas.openxmlformats.org/officeDocument/2006/relationships" xmlns:p="http://schemas.openxmlformats.org/presentationml/2006/main">
+  <p:cSld>
+    <p:spTree>
+      <p:nvGrpSpPr>
+        <p:cNvPr id="1" name=""/>
+        <p:cNvGrpSpPr/>
+        <p:nvPr/>
+      </p:nvGrpSpPr>
+      <p:grpSpPr>
+        <a:xfrm>
+          <a:off x="0" y="0"/>
+          <a:ext cx="0" cy="0"/>
+          <a:chOff x="0" y="0"/>
+          <a:chExt cx="0" cy="0"/>
+        </a:xfrm>
+      </p:grpSpPr>
+      <p:sp>
+        <p:nvSpPr>
+          <p:cNvPr id="2" name="Slide Image Placeholder 1"/>
+          <p:cNvSpPr>
+            <a:spLocks noGrp="1" noRot="1" noChangeAspect="1"/>
+          </p:cNvSpPr>
+          <p:nvPr>
+            <p:ph type="sldImg"/>
+          </p:nvPr>
+        </p:nvSpPr>
+        <p:spPr/>
+      </p:sp>
+      <p:sp>
+        <p:nvSpPr>
+          <p:cNvPr id="3" name="Notes Placeholder 2"/>
+          <p:cNvSpPr>
+            <a:spLocks noGrp="1"/>
+          </p:cNvSpPr>
+          <p:nvPr>
+            <p:ph type="body" idx="1"/>
+          </p:nvPr>
+        </p:nvSpPr>
+        <p:spPr/>
+        <p:txBody>
+          <a:bodyPr/>
+          <a:lstStyle/>
+          <a:p>
+            <a:endParaRPr lang="en-US" dirty="0"/>
+          </a:p>
+        </p:txBody>
+      </p:sp>
+      <p:sp>
+        <p:nvSpPr>
+          <p:cNvPr id="4" name="Slide Number Placeholder 3"/>
+          <p:cNvSpPr>
+            <a:spLocks noGrp="1"/>
+          </p:cNvSpPr>
+          <p:nvPr>
+            <p:ph type="sldNum" sz="quarter" idx="10"/>
+          </p:nvPr>
+        </p:nvSpPr>
+        <p:spPr/>
+        <p:txBody>
+          <a:bodyPr/>
+          <a:lstStyle/>
+          <a:p>
+            <a:fld id="{7C0BD9AE-DE82-43C1-BCA1-CA1D65514D9A}" type="slidenum">
+              <a:rPr lang="en-US" smtClean="0"/>
+              <a:t>2</a:t>
+            </a:fld>
+            <a:endParaRPr lang="en-US"/>
+          </a:p>
+        </p:txBody>
+      </p:sp>
+    </p:spTree>
+    <p:extLst>
+      <p:ext uri="{BB962C8B-B14F-4D97-AF65-F5344CB8AC3E}">
+        <p14:creationId xmlns:p14="http://schemas.microsoft.com/office/powerpoint/2010/main" val="1220229433"/>
+      </p:ext>
+    </p:extLst>
+  </p:cSld>
+  <p:clrMapOvr>
+    <a:masterClrMapping/>
+  </p:clrMapOvr>
+</p:notes>
 </file>
 
 <file path=ppt/slideLayouts/slideLayout1.xml><?xml version="1.0" encoding="utf-8"?>

--- a/161702/presentation/02 - Review Divide and Conquer/02. Review Divide and Conquer.pptx
+++ b/161702/presentation/02 - Review Divide and Conquer/02. Review Divide and Conquer.pptx
@@ -32,14 +32,14 @@
       <p:boldItalic r:id="rId18"/>
     </p:embeddedFont>
     <p:embeddedFont>
-      <p:font typeface="PT Serif" panose="020A0603040505020204" pitchFamily="18" charset="0"/>
+      <p:font typeface="PT Sans" panose="020B0503020203020204" pitchFamily="34" charset="0"/>
       <p:regular r:id="rId19"/>
       <p:bold r:id="rId20"/>
       <p:italic r:id="rId21"/>
       <p:boldItalic r:id="rId22"/>
     </p:embeddedFont>
     <p:embeddedFont>
-      <p:font typeface="PT Sans" panose="020B0503020203020204" pitchFamily="34" charset="0"/>
+      <p:font typeface="PT Serif" panose="020A0603040505020204" pitchFamily="18" charset="0"/>
       <p:regular r:id="rId23"/>
       <p:bold r:id="rId24"/>
       <p:italic r:id="rId25"/>
@@ -231,7 +231,7 @@
           <a:p>
             <a:fld id="{54A0D01E-5226-49DB-B876-7FE474C4AC43}" type="datetimeFigureOut">
               <a:rPr lang="en-US" smtClean="0"/>
-              <a:t>2/13/2017</a:t>
+              <a:t>2/20/2017</a:t>
             </a:fld>
             <a:endParaRPr lang="en-US"/>
           </a:p>
@@ -714,7 +714,7 @@
           <a:p>
             <a:fld id="{98558AF6-4215-4AC6-9EE0-A56FB7B1541C}" type="datetimeFigureOut">
               <a:rPr lang="en-US" smtClean="0"/>
-              <a:t>2/13/2017</a:t>
+              <a:t>2/20/2017</a:t>
             </a:fld>
             <a:endParaRPr lang="en-US"/>
           </a:p>
@@ -884,7 +884,7 @@
           <a:p>
             <a:fld id="{98558AF6-4215-4AC6-9EE0-A56FB7B1541C}" type="datetimeFigureOut">
               <a:rPr lang="en-US" smtClean="0"/>
-              <a:t>2/13/2017</a:t>
+              <a:t>2/20/2017</a:t>
             </a:fld>
             <a:endParaRPr lang="en-US"/>
           </a:p>
@@ -1064,7 +1064,7 @@
           <a:p>
             <a:fld id="{98558AF6-4215-4AC6-9EE0-A56FB7B1541C}" type="datetimeFigureOut">
               <a:rPr lang="en-US" smtClean="0"/>
-              <a:t>2/13/2017</a:t>
+              <a:t>2/20/2017</a:t>
             </a:fld>
             <a:endParaRPr lang="en-US"/>
           </a:p>
@@ -1234,7 +1234,7 @@
           <a:p>
             <a:fld id="{98558AF6-4215-4AC6-9EE0-A56FB7B1541C}" type="datetimeFigureOut">
               <a:rPr lang="en-US" smtClean="0"/>
-              <a:t>2/13/2017</a:t>
+              <a:t>2/20/2017</a:t>
             </a:fld>
             <a:endParaRPr lang="en-US"/>
           </a:p>
@@ -1478,7 +1478,7 @@
           <a:p>
             <a:fld id="{98558AF6-4215-4AC6-9EE0-A56FB7B1541C}" type="datetimeFigureOut">
               <a:rPr lang="en-US" smtClean="0"/>
-              <a:t>2/13/2017</a:t>
+              <a:t>2/20/2017</a:t>
             </a:fld>
             <a:endParaRPr lang="en-US"/>
           </a:p>
@@ -1710,7 +1710,7 @@
           <a:p>
             <a:fld id="{98558AF6-4215-4AC6-9EE0-A56FB7B1541C}" type="datetimeFigureOut">
               <a:rPr lang="en-US" smtClean="0"/>
-              <a:t>2/13/2017</a:t>
+              <a:t>2/20/2017</a:t>
             </a:fld>
             <a:endParaRPr lang="en-US"/>
           </a:p>
@@ -2077,7 +2077,7 @@
           <a:p>
             <a:fld id="{98558AF6-4215-4AC6-9EE0-A56FB7B1541C}" type="datetimeFigureOut">
               <a:rPr lang="en-US" smtClean="0"/>
-              <a:t>2/13/2017</a:t>
+              <a:t>2/20/2017</a:t>
             </a:fld>
             <a:endParaRPr lang="en-US"/>
           </a:p>
@@ -2195,7 +2195,7 @@
           <a:p>
             <a:fld id="{98558AF6-4215-4AC6-9EE0-A56FB7B1541C}" type="datetimeFigureOut">
               <a:rPr lang="en-US" smtClean="0"/>
-              <a:t>2/13/2017</a:t>
+              <a:t>2/20/2017</a:t>
             </a:fld>
             <a:endParaRPr lang="en-US"/>
           </a:p>
@@ -2290,7 +2290,7 @@
           <a:p>
             <a:fld id="{98558AF6-4215-4AC6-9EE0-A56FB7B1541C}" type="datetimeFigureOut">
               <a:rPr lang="en-US" smtClean="0"/>
-              <a:t>2/13/2017</a:t>
+              <a:t>2/20/2017</a:t>
             </a:fld>
             <a:endParaRPr lang="en-US"/>
           </a:p>
@@ -2567,7 +2567,7 @@
           <a:p>
             <a:fld id="{98558AF6-4215-4AC6-9EE0-A56FB7B1541C}" type="datetimeFigureOut">
               <a:rPr lang="en-US" smtClean="0"/>
-              <a:t>2/13/2017</a:t>
+              <a:t>2/20/2017</a:t>
             </a:fld>
             <a:endParaRPr lang="en-US"/>
           </a:p>
@@ -2824,7 +2824,7 @@
           <a:p>
             <a:fld id="{98558AF6-4215-4AC6-9EE0-A56FB7B1541C}" type="datetimeFigureOut">
               <a:rPr lang="en-US" smtClean="0"/>
-              <a:t>2/13/2017</a:t>
+              <a:t>2/20/2017</a:t>
             </a:fld>
             <a:endParaRPr lang="en-US"/>
           </a:p>
@@ -3037,7 +3037,7 @@
           <a:p>
             <a:fld id="{98558AF6-4215-4AC6-9EE0-A56FB7B1541C}" type="datetimeFigureOut">
               <a:rPr lang="en-US" smtClean="0"/>
-              <a:t>2/13/2017</a:t>
+              <a:t>2/20/2017</a:t>
             </a:fld>
             <a:endParaRPr lang="en-US"/>
           </a:p>
@@ -3865,11 +3865,7 @@
           <a:p>
             <a:r>
               <a:rPr lang="en-US" dirty="0" smtClean="0"/>
-              <a:t>Example Case: Cut Rod/Rod </a:t>
-            </a:r>
-            <a:r>
-              <a:rPr lang="en-US" dirty="0" smtClean="0"/>
-              <a:t>Cutting</a:t>
+              <a:t>Example Case: Cut Rod/Rod Cutting</a:t>
             </a:r>
           </a:p>
           <a:p>
@@ -3885,7 +3881,6 @@
               <a:rPr lang="en-US" dirty="0" smtClean="0"/>
               <a:t>Recurrence</a:t>
             </a:r>
-            <a:endParaRPr lang="en-US" dirty="0" smtClean="0"/>
           </a:p>
           <a:p>
             <a:pPr lvl="1"/>
